--- a/Final NLP Presentation - Team Project July 2025.pptx
+++ b/Final NLP Presentation - Team Project July 2025.pptx
@@ -14,10 +14,10 @@
     <p:sldId id="410" r:id="rId5"/>
     <p:sldId id="383" r:id="rId6"/>
     <p:sldId id="391" r:id="rId7"/>
-    <p:sldId id="408" r:id="rId8"/>
-    <p:sldId id="415" r:id="rId9"/>
-    <p:sldId id="411" r:id="rId10"/>
-    <p:sldId id="412" r:id="rId11"/>
+    <p:sldId id="415" r:id="rId8"/>
+    <p:sldId id="411" r:id="rId9"/>
+    <p:sldId id="416" r:id="rId10"/>
+    <p:sldId id="417" r:id="rId11"/>
     <p:sldId id="404" r:id="rId12"/>
     <p:sldId id="414" r:id="rId13"/>
     <p:sldId id="405" r:id="rId14"/>
@@ -147,7 +147,7 @@
 <file path=ppt/revisionInfo.xml><?xml version="1.0" encoding="utf-8"?>
 <p1510:revInfo xmlns:a="http://schemas.openxmlformats.org/drawingml/2006/main" xmlns:r="http://schemas.openxmlformats.org/officeDocument/2006/relationships" xmlns:p1510="http://schemas.microsoft.com/office/powerpoint/2015/10/main">
   <p1510:revLst>
-    <p1510:client id="{56F3CFAE-7241-4752-903A-D6C230C8EA12}" v="310" dt="2025-07-11T16:12:34.697"/>
+    <p1510:client id="{56F3CFAE-7241-4752-903A-D6C230C8EA12}" v="339" dt="2025-07-11T16:40:33.076"/>
   </p1510:revLst>
 </p1510:revInfo>
 </file>
@@ -157,12 +157,12 @@
   <pc:docChgLst>
     <pc:chgData name="Ganasen, S. (Samantha)" userId="1aefe51b-8b5e-4f27-ab1e-54c7ac2f2976" providerId="ADAL" clId="{56F3CFAE-7241-4752-903A-D6C230C8EA12}"/>
     <pc:docChg chg="undo custSel addSld delSld modSld modMainMaster">
-      <pc:chgData name="Ganasen, S. (Samantha)" userId="1aefe51b-8b5e-4f27-ab1e-54c7ac2f2976" providerId="ADAL" clId="{56F3CFAE-7241-4752-903A-D6C230C8EA12}" dt="2025-07-11T16:13:24.728" v="2582" actId="20577"/>
+      <pc:chgData name="Ganasen, S. (Samantha)" userId="1aefe51b-8b5e-4f27-ab1e-54c7ac2f2976" providerId="ADAL" clId="{56F3CFAE-7241-4752-903A-D6C230C8EA12}" dt="2025-07-11T16:54:09.340" v="2927" actId="1076"/>
       <pc:docMkLst>
         <pc:docMk/>
       </pc:docMkLst>
       <pc:sldChg chg="addSp delSp modSp mod">
-        <pc:chgData name="Ganasen, S. (Samantha)" userId="1aefe51b-8b5e-4f27-ab1e-54c7ac2f2976" providerId="ADAL" clId="{56F3CFAE-7241-4752-903A-D6C230C8EA12}" dt="2025-07-11T16:03:59.371" v="2042"/>
+        <pc:chgData name="Ganasen, S. (Samantha)" userId="1aefe51b-8b5e-4f27-ab1e-54c7ac2f2976" providerId="ADAL" clId="{56F3CFAE-7241-4752-903A-D6C230C8EA12}" dt="2025-07-11T16:32:12.894" v="2836" actId="20577"/>
         <pc:sldMkLst>
           <pc:docMk/>
           <pc:sldMk cId="3346685798" sldId="383"/>
@@ -176,7 +176,7 @@
           </ac:spMkLst>
         </pc:spChg>
         <pc:spChg chg="mod">
-          <ac:chgData name="Ganasen, S. (Samantha)" userId="1aefe51b-8b5e-4f27-ab1e-54c7ac2f2976" providerId="ADAL" clId="{56F3CFAE-7241-4752-903A-D6C230C8EA12}" dt="2025-07-11T15:43:57.553" v="1046" actId="20577"/>
+          <ac:chgData name="Ganasen, S. (Samantha)" userId="1aefe51b-8b5e-4f27-ab1e-54c7ac2f2976" providerId="ADAL" clId="{56F3CFAE-7241-4752-903A-D6C230C8EA12}" dt="2025-07-11T16:32:12.894" v="2836" actId="20577"/>
           <ac:spMkLst>
             <pc:docMk/>
             <pc:sldMk cId="3346685798" sldId="383"/>
@@ -233,7 +233,7 @@
         </pc:graphicFrameChg>
       </pc:sldChg>
       <pc:sldChg chg="addSp delSp modSp mod">
-        <pc:chgData name="Ganasen, S. (Samantha)" userId="1aefe51b-8b5e-4f27-ab1e-54c7ac2f2976" providerId="ADAL" clId="{56F3CFAE-7241-4752-903A-D6C230C8EA12}" dt="2025-07-11T16:13:24.728" v="2582" actId="20577"/>
+        <pc:chgData name="Ganasen, S. (Samantha)" userId="1aefe51b-8b5e-4f27-ab1e-54c7ac2f2976" providerId="ADAL" clId="{56F3CFAE-7241-4752-903A-D6C230C8EA12}" dt="2025-07-11T16:33:33.247" v="2843" actId="113"/>
         <pc:sldMkLst>
           <pc:docMk/>
           <pc:sldMk cId="3200312026" sldId="391"/>
@@ -351,7 +351,7 @@
           </ac:spMkLst>
         </pc:spChg>
         <pc:spChg chg="mod">
-          <ac:chgData name="Ganasen, S. (Samantha)" userId="1aefe51b-8b5e-4f27-ab1e-54c7ac2f2976" providerId="ADAL" clId="{56F3CFAE-7241-4752-903A-D6C230C8EA12}" dt="2025-07-11T15:10:56.067" v="672" actId="1076"/>
+          <ac:chgData name="Ganasen, S. (Samantha)" userId="1aefe51b-8b5e-4f27-ab1e-54c7ac2f2976" providerId="ADAL" clId="{56F3CFAE-7241-4752-903A-D6C230C8EA12}" dt="2025-07-11T16:33:33.247" v="2843" actId="113"/>
           <ac:spMkLst>
             <pc:docMk/>
             <pc:sldMk cId="3200312026" sldId="391"/>
@@ -639,7 +639,7 @@
         </pc:graphicFrameChg>
       </pc:sldChg>
       <pc:sldChg chg="addSp delSp modSp mod">
-        <pc:chgData name="Ganasen, S. (Samantha)" userId="1aefe51b-8b5e-4f27-ab1e-54c7ac2f2976" providerId="ADAL" clId="{56F3CFAE-7241-4752-903A-D6C230C8EA12}" dt="2025-07-11T16:12:02.101" v="2411"/>
+        <pc:chgData name="Ganasen, S. (Samantha)" userId="1aefe51b-8b5e-4f27-ab1e-54c7ac2f2976" providerId="ADAL" clId="{56F3CFAE-7241-4752-903A-D6C230C8EA12}" dt="2025-07-11T16:53:51.944" v="2925" actId="20577"/>
         <pc:sldMkLst>
           <pc:docMk/>
           <pc:sldMk cId="1850768898" sldId="404"/>
@@ -677,7 +677,7 @@
           </ac:spMkLst>
         </pc:spChg>
         <pc:spChg chg="mod">
-          <ac:chgData name="Ganasen, S. (Samantha)" userId="1aefe51b-8b5e-4f27-ab1e-54c7ac2f2976" providerId="ADAL" clId="{56F3CFAE-7241-4752-903A-D6C230C8EA12}" dt="2025-07-11T15:51:04.518" v="1357" actId="5793"/>
+          <ac:chgData name="Ganasen, S. (Samantha)" userId="1aefe51b-8b5e-4f27-ab1e-54c7ac2f2976" providerId="ADAL" clId="{56F3CFAE-7241-4752-903A-D6C230C8EA12}" dt="2025-07-11T16:53:51.944" v="2925" actId="20577"/>
           <ac:spMkLst>
             <pc:docMk/>
             <pc:sldMk cId="1850768898" sldId="404"/>
@@ -710,7 +710,7 @@
         </pc:graphicFrameChg>
       </pc:sldChg>
       <pc:sldChg chg="addSp delSp modSp mod">
-        <pc:chgData name="Ganasen, S. (Samantha)" userId="1aefe51b-8b5e-4f27-ab1e-54c7ac2f2976" providerId="ADAL" clId="{56F3CFAE-7241-4752-903A-D6C230C8EA12}" dt="2025-07-11T16:12:25.006" v="2525"/>
+        <pc:chgData name="Ganasen, S. (Samantha)" userId="1aefe51b-8b5e-4f27-ab1e-54c7ac2f2976" providerId="ADAL" clId="{56F3CFAE-7241-4752-903A-D6C230C8EA12}" dt="2025-07-11T16:42:59.682" v="2923" actId="20577"/>
         <pc:sldMkLst>
           <pc:docMk/>
           <pc:sldMk cId="4127695141" sldId="405"/>
@@ -747,8 +747,16 @@
             <ac:spMk id="5" creationId="{1BAAEFF2-C32E-7A3A-CE50-953BC9597D2F}"/>
           </ac:spMkLst>
         </pc:spChg>
+        <pc:spChg chg="add del mod modVis">
+          <ac:chgData name="Ganasen, S. (Samantha)" userId="1aefe51b-8b5e-4f27-ab1e-54c7ac2f2976" providerId="ADAL" clId="{56F3CFAE-7241-4752-903A-D6C230C8EA12}" dt="2025-07-11T16:30:59.993" v="2770"/>
+          <ac:spMkLst>
+            <pc:docMk/>
+            <pc:sldMk cId="4127695141" sldId="405"/>
+            <ac:spMk id="6" creationId="{AF0501B8-8223-7C5C-FDCB-561EA94227F0}"/>
+          </ac:spMkLst>
+        </pc:spChg>
         <pc:spChg chg="mod">
-          <ac:chgData name="Ganasen, S. (Samantha)" userId="1aefe51b-8b5e-4f27-ab1e-54c7ac2f2976" providerId="ADAL" clId="{56F3CFAE-7241-4752-903A-D6C230C8EA12}" dt="2025-07-11T16:12:24.977" v="2500" actId="948"/>
+          <ac:chgData name="Ganasen, S. (Samantha)" userId="1aefe51b-8b5e-4f27-ab1e-54c7ac2f2976" providerId="ADAL" clId="{56F3CFAE-7241-4752-903A-D6C230C8EA12}" dt="2025-07-11T16:30:59.961" v="2747" actId="948"/>
           <ac:spMkLst>
             <pc:docMk/>
             <pc:sldMk cId="4127695141" sldId="405"/>
@@ -756,7 +764,7 @@
           </ac:spMkLst>
         </pc:spChg>
         <pc:spChg chg="mod">
-          <ac:chgData name="Ganasen, S. (Samantha)" userId="1aefe51b-8b5e-4f27-ab1e-54c7ac2f2976" providerId="ADAL" clId="{56F3CFAE-7241-4752-903A-D6C230C8EA12}" dt="2025-07-11T15:29:23.959" v="891" actId="403"/>
+          <ac:chgData name="Ganasen, S. (Samantha)" userId="1aefe51b-8b5e-4f27-ab1e-54c7ac2f2976" providerId="ADAL" clId="{56F3CFAE-7241-4752-903A-D6C230C8EA12}" dt="2025-07-11T16:42:59.682" v="2923" actId="20577"/>
           <ac:spMkLst>
             <pc:docMk/>
             <pc:sldMk cId="4127695141" sldId="405"/>
@@ -764,7 +772,7 @@
           </ac:spMkLst>
         </pc:spChg>
         <pc:spChg chg="mod">
-          <ac:chgData name="Ganasen, S. (Samantha)" userId="1aefe51b-8b5e-4f27-ab1e-54c7ac2f2976" providerId="ADAL" clId="{56F3CFAE-7241-4752-903A-D6C230C8EA12}" dt="2025-07-11T16:12:21.674" v="2498" actId="207"/>
+          <ac:chgData name="Ganasen, S. (Samantha)" userId="1aefe51b-8b5e-4f27-ab1e-54c7ac2f2976" providerId="ADAL" clId="{56F3CFAE-7241-4752-903A-D6C230C8EA12}" dt="2025-07-11T16:31:03.196" v="2773" actId="20577"/>
           <ac:spMkLst>
             <pc:docMk/>
             <pc:sldMk cId="4127695141" sldId="405"/>
@@ -796,7 +804,7 @@
           </ac:spMkLst>
         </pc:spChg>
         <pc:graphicFrameChg chg="mod">
-          <ac:chgData name="Ganasen, S. (Samantha)" userId="1aefe51b-8b5e-4f27-ab1e-54c7ac2f2976" providerId="ADAL" clId="{56F3CFAE-7241-4752-903A-D6C230C8EA12}" dt="2025-07-11T16:12:25.006" v="2525"/>
+          <ac:chgData name="Ganasen, S. (Samantha)" userId="1aefe51b-8b5e-4f27-ab1e-54c7ac2f2976" providerId="ADAL" clId="{56F3CFAE-7241-4752-903A-D6C230C8EA12}" dt="2025-07-11T16:31:00.009" v="2772"/>
           <ac:graphicFrameMkLst>
             <pc:docMk/>
             <pc:sldMk cId="4127695141" sldId="405"/>
@@ -907,8 +915,8 @@
           </ac:picMkLst>
         </pc:picChg>
       </pc:sldChg>
-      <pc:sldChg chg="addSp delSp modSp mod">
-        <pc:chgData name="Ganasen, S. (Samantha)" userId="1aefe51b-8b5e-4f27-ab1e-54c7ac2f2976" providerId="ADAL" clId="{56F3CFAE-7241-4752-903A-D6C230C8EA12}" dt="2025-07-11T16:06:10.271" v="2178"/>
+      <pc:sldChg chg="addSp delSp modSp del mod">
+        <pc:chgData name="Ganasen, S. (Samantha)" userId="1aefe51b-8b5e-4f27-ab1e-54c7ac2f2976" providerId="ADAL" clId="{56F3CFAE-7241-4752-903A-D6C230C8EA12}" dt="2025-07-11T16:27:40.452" v="2583" actId="47"/>
         <pc:sldMkLst>
           <pc:docMk/>
           <pc:sldMk cId="888484295" sldId="408"/>
@@ -979,7 +987,7 @@
         </pc:graphicFrameChg>
       </pc:sldChg>
       <pc:sldChg chg="addSp delSp modSp mod">
-        <pc:chgData name="Ganasen, S. (Samantha)" userId="1aefe51b-8b5e-4f27-ab1e-54c7ac2f2976" providerId="ADAL" clId="{56F3CFAE-7241-4752-903A-D6C230C8EA12}" dt="2025-07-11T16:12:51.256" v="2580" actId="1076"/>
+        <pc:chgData name="Ganasen, S. (Samantha)" userId="1aefe51b-8b5e-4f27-ab1e-54c7ac2f2976" providerId="ADAL" clId="{56F3CFAE-7241-4752-903A-D6C230C8EA12}" dt="2025-07-11T16:31:59.872" v="2833"/>
         <pc:sldMkLst>
           <pc:docMk/>
           <pc:sldMk cId="3390304222" sldId="410"/>
@@ -1008,8 +1016,16 @@
             <ac:spMk id="4" creationId="{5FD10A84-C520-2942-C88A-7A47191284FE}"/>
           </ac:spMkLst>
         </pc:spChg>
+        <pc:spChg chg="add del mod modVis">
+          <ac:chgData name="Ganasen, S. (Samantha)" userId="1aefe51b-8b5e-4f27-ab1e-54c7ac2f2976" providerId="ADAL" clId="{56F3CFAE-7241-4752-903A-D6C230C8EA12}" dt="2025-07-11T16:31:59.181" v="2804"/>
+          <ac:spMkLst>
+            <pc:docMk/>
+            <pc:sldMk cId="3390304222" sldId="410"/>
+            <ac:spMk id="5" creationId="{E13C38D9-6095-D829-5E2C-AC6B127D0433}"/>
+          </ac:spMkLst>
+        </pc:spChg>
         <pc:spChg chg="mod">
-          <ac:chgData name="Ganasen, S. (Samantha)" userId="1aefe51b-8b5e-4f27-ab1e-54c7ac2f2976" providerId="ADAL" clId="{56F3CFAE-7241-4752-903A-D6C230C8EA12}" dt="2025-07-11T16:03:33.475" v="1773" actId="948"/>
+          <ac:chgData name="Ganasen, S. (Samantha)" userId="1aefe51b-8b5e-4f27-ab1e-54c7ac2f2976" providerId="ADAL" clId="{56F3CFAE-7241-4752-903A-D6C230C8EA12}" dt="2025-07-11T16:31:59.841" v="2808" actId="948"/>
           <ac:spMkLst>
             <pc:docMk/>
             <pc:sldMk cId="3390304222" sldId="410"/>
@@ -1017,15 +1033,23 @@
           </ac:spMkLst>
         </pc:spChg>
         <pc:spChg chg="mod">
-          <ac:chgData name="Ganasen, S. (Samantha)" userId="1aefe51b-8b5e-4f27-ab1e-54c7ac2f2976" providerId="ADAL" clId="{56F3CFAE-7241-4752-903A-D6C230C8EA12}" dt="2025-07-11T16:03:02.966" v="1725" actId="207"/>
+          <ac:chgData name="Ganasen, S. (Samantha)" userId="1aefe51b-8b5e-4f27-ab1e-54c7ac2f2976" providerId="ADAL" clId="{56F3CFAE-7241-4752-903A-D6C230C8EA12}" dt="2025-07-11T16:31:33.272" v="2775" actId="14100"/>
           <ac:spMkLst>
             <pc:docMk/>
             <pc:sldMk cId="3390304222" sldId="410"/>
             <ac:spMk id="8" creationId="{8FEDC2E4-D854-3BF9-41DB-84D858B8047E}"/>
           </ac:spMkLst>
         </pc:spChg>
+        <pc:spChg chg="add del mod modVis">
+          <ac:chgData name="Ganasen, S. (Samantha)" userId="1aefe51b-8b5e-4f27-ab1e-54c7ac2f2976" providerId="ADAL" clId="{56F3CFAE-7241-4752-903A-D6C230C8EA12}" dt="2025-07-11T16:31:59.872" v="2831"/>
+          <ac:spMkLst>
+            <pc:docMk/>
+            <pc:sldMk cId="3390304222" sldId="410"/>
+            <ac:spMk id="9" creationId="{05214076-DCA7-7BB5-54C7-58424E964F4E}"/>
+          </ac:spMkLst>
+        </pc:spChg>
         <pc:spChg chg="mod">
-          <ac:chgData name="Ganasen, S. (Samantha)" userId="1aefe51b-8b5e-4f27-ab1e-54c7ac2f2976" providerId="ADAL" clId="{56F3CFAE-7241-4752-903A-D6C230C8EA12}" dt="2025-07-11T16:03:46.514" v="2015" actId="207"/>
+          <ac:chgData name="Ganasen, S. (Samantha)" userId="1aefe51b-8b5e-4f27-ab1e-54c7ac2f2976" providerId="ADAL" clId="{56F3CFAE-7241-4752-903A-D6C230C8EA12}" dt="2025-07-11T16:31:45.267" v="2778" actId="14100"/>
           <ac:spMkLst>
             <pc:docMk/>
             <pc:sldMk cId="3390304222" sldId="410"/>
@@ -1121,7 +1145,7 @@
           </ac:spMkLst>
         </pc:spChg>
         <pc:graphicFrameChg chg="mod">
-          <ac:chgData name="Ganasen, S. (Samantha)" userId="1aefe51b-8b5e-4f27-ab1e-54c7ac2f2976" providerId="ADAL" clId="{56F3CFAE-7241-4752-903A-D6C230C8EA12}" dt="2025-07-11T16:03:33.688" v="1982"/>
+          <ac:chgData name="Ganasen, S. (Samantha)" userId="1aefe51b-8b5e-4f27-ab1e-54c7ac2f2976" providerId="ADAL" clId="{56F3CFAE-7241-4752-903A-D6C230C8EA12}" dt="2025-07-11T16:31:59.872" v="2833"/>
           <ac:graphicFrameMkLst>
             <pc:docMk/>
             <pc:sldMk cId="3390304222" sldId="410"/>
@@ -1138,13 +1162,13 @@
         </pc:picChg>
       </pc:sldChg>
       <pc:sldChg chg="addSp delSp modSp mod">
-        <pc:chgData name="Ganasen, S. (Samantha)" userId="1aefe51b-8b5e-4f27-ab1e-54c7ac2f2976" providerId="ADAL" clId="{56F3CFAE-7241-4752-903A-D6C230C8EA12}" dt="2025-07-11T16:06:14.824" v="2205"/>
+        <pc:chgData name="Ganasen, S. (Samantha)" userId="1aefe51b-8b5e-4f27-ab1e-54c7ac2f2976" providerId="ADAL" clId="{56F3CFAE-7241-4752-903A-D6C230C8EA12}" dt="2025-07-11T16:42:28.765" v="2920" actId="20577"/>
         <pc:sldMkLst>
           <pc:docMk/>
           <pc:sldMk cId="3617021918" sldId="411"/>
         </pc:sldMkLst>
         <pc:spChg chg="mod">
-          <ac:chgData name="Ganasen, S. (Samantha)" userId="1aefe51b-8b5e-4f27-ab1e-54c7ac2f2976" providerId="ADAL" clId="{56F3CFAE-7241-4752-903A-D6C230C8EA12}" dt="2025-07-11T15:57:42.759" v="1410" actId="14100"/>
+          <ac:chgData name="Ganasen, S. (Samantha)" userId="1aefe51b-8b5e-4f27-ab1e-54c7ac2f2976" providerId="ADAL" clId="{56F3CFAE-7241-4752-903A-D6C230C8EA12}" dt="2025-07-11T16:42:28.765" v="2920" actId="20577"/>
           <ac:spMkLst>
             <pc:docMk/>
             <pc:sldMk cId="3617021918" sldId="411"/>
@@ -1191,8 +1215,16 @@
             <ac:spMk id="6" creationId="{3BBE38E9-DE47-87A1-D892-1D12526298A3}"/>
           </ac:spMkLst>
         </pc:spChg>
+        <pc:spChg chg="add del mod modVis">
+          <ac:chgData name="Ganasen, S. (Samantha)" userId="1aefe51b-8b5e-4f27-ab1e-54c7ac2f2976" providerId="ADAL" clId="{56F3CFAE-7241-4752-903A-D6C230C8EA12}" dt="2025-07-11T16:30:39.766" v="2685"/>
+          <ac:spMkLst>
+            <pc:docMk/>
+            <pc:sldMk cId="3617021918" sldId="411"/>
+            <ac:spMk id="8" creationId="{7D8C5A97-2AB9-77EB-85DA-06BAEECA1049}"/>
+          </ac:spMkLst>
+        </pc:spChg>
         <pc:spChg chg="mod">
-          <ac:chgData name="Ganasen, S. (Samantha)" userId="1aefe51b-8b5e-4f27-ab1e-54c7ac2f2976" providerId="ADAL" clId="{56F3CFAE-7241-4752-903A-D6C230C8EA12}" dt="2025-07-11T16:06:14.794" v="2180" actId="948"/>
+          <ac:chgData name="Ganasen, S. (Samantha)" userId="1aefe51b-8b5e-4f27-ab1e-54c7ac2f2976" providerId="ADAL" clId="{56F3CFAE-7241-4752-903A-D6C230C8EA12}" dt="2025-07-11T16:30:39.750" v="2662" actId="948"/>
           <ac:spMkLst>
             <pc:docMk/>
             <pc:sldMk cId="3617021918" sldId="411"/>
@@ -1208,7 +1240,7 @@
           </ac:spMkLst>
         </pc:spChg>
         <pc:graphicFrameChg chg="mod">
-          <ac:chgData name="Ganasen, S. (Samantha)" userId="1aefe51b-8b5e-4f27-ab1e-54c7ac2f2976" providerId="ADAL" clId="{56F3CFAE-7241-4752-903A-D6C230C8EA12}" dt="2025-07-11T16:06:14.824" v="2205"/>
+          <ac:chgData name="Ganasen, S. (Samantha)" userId="1aefe51b-8b5e-4f27-ab1e-54c7ac2f2976" providerId="ADAL" clId="{56F3CFAE-7241-4752-903A-D6C230C8EA12}" dt="2025-07-11T16:30:39.781" v="2687"/>
           <ac:graphicFrameMkLst>
             <pc:docMk/>
             <pc:sldMk cId="3617021918" sldId="411"/>
@@ -1216,8 +1248,8 @@
           </ac:graphicFrameMkLst>
         </pc:graphicFrameChg>
       </pc:sldChg>
-      <pc:sldChg chg="addSp delSp modSp mod">
-        <pc:chgData name="Ganasen, S. (Samantha)" userId="1aefe51b-8b5e-4f27-ab1e-54c7ac2f2976" providerId="ADAL" clId="{56F3CFAE-7241-4752-903A-D6C230C8EA12}" dt="2025-07-11T16:11:57.697" v="2384"/>
+      <pc:sldChg chg="addSp delSp modSp del mod">
+        <pc:chgData name="Ganasen, S. (Samantha)" userId="1aefe51b-8b5e-4f27-ab1e-54c7ac2f2976" providerId="ADAL" clId="{56F3CFAE-7241-4752-903A-D6C230C8EA12}" dt="2025-07-11T16:42:11.327" v="2917" actId="47"/>
         <pc:sldMkLst>
           <pc:docMk/>
           <pc:sldMk cId="3348564581" sldId="412"/>
@@ -1279,7 +1311,7 @@
           </ac:spMkLst>
         </pc:spChg>
         <pc:spChg chg="mod">
-          <ac:chgData name="Ganasen, S. (Samantha)" userId="1aefe51b-8b5e-4f27-ab1e-54c7ac2f2976" providerId="ADAL" clId="{56F3CFAE-7241-4752-903A-D6C230C8EA12}" dt="2025-07-11T15:52:39.075" v="1364" actId="14100"/>
+          <ac:chgData name="Ganasen, S. (Samantha)" userId="1aefe51b-8b5e-4f27-ab1e-54c7ac2f2976" providerId="ADAL" clId="{56F3CFAE-7241-4752-903A-D6C230C8EA12}" dt="2025-07-11T16:37:49.777" v="2877" actId="255"/>
           <ac:spMkLst>
             <pc:docMk/>
             <pc:sldMk cId="3348564581" sldId="412"/>
@@ -1295,7 +1327,7 @@
           </ac:graphicFrameMkLst>
         </pc:graphicFrameChg>
         <pc:picChg chg="add mod">
-          <ac:chgData name="Ganasen, S. (Samantha)" userId="1aefe51b-8b5e-4f27-ab1e-54c7ac2f2976" providerId="ADAL" clId="{56F3CFAE-7241-4752-903A-D6C230C8EA12}" dt="2025-07-11T15:52:14.342" v="1361" actId="1076"/>
+          <ac:chgData name="Ganasen, S. (Samantha)" userId="1aefe51b-8b5e-4f27-ab1e-54c7ac2f2976" providerId="ADAL" clId="{56F3CFAE-7241-4752-903A-D6C230C8EA12}" dt="2025-07-11T16:37:20.438" v="2871" actId="1076"/>
           <ac:picMkLst>
             <pc:docMk/>
             <pc:sldMk cId="3348564581" sldId="412"/>
@@ -1367,7 +1399,7 @@
         </pc:graphicFrameChg>
       </pc:sldChg>
       <pc:sldChg chg="addSp delSp modSp add mod">
-        <pc:chgData name="Ganasen, S. (Samantha)" userId="1aefe51b-8b5e-4f27-ab1e-54c7ac2f2976" providerId="ADAL" clId="{56F3CFAE-7241-4752-903A-D6C230C8EA12}" dt="2025-07-11T16:12:08.166" v="2465"/>
+        <pc:chgData name="Ganasen, S. (Samantha)" userId="1aefe51b-8b5e-4f27-ab1e-54c7ac2f2976" providerId="ADAL" clId="{56F3CFAE-7241-4752-903A-D6C230C8EA12}" dt="2025-07-11T16:54:09.340" v="2927" actId="1076"/>
         <pc:sldMkLst>
           <pc:docMk/>
           <pc:sldMk cId="3041935509" sldId="414"/>
@@ -1429,6 +1461,14 @@
           </ac:spMkLst>
         </pc:spChg>
         <pc:spChg chg="add del mod modVis">
+          <ac:chgData name="Ganasen, S. (Samantha)" userId="1aefe51b-8b5e-4f27-ab1e-54c7ac2f2976" providerId="ADAL" clId="{56F3CFAE-7241-4752-903A-D6C230C8EA12}" dt="2025-07-11T16:30:53.638" v="2714"/>
+          <ac:spMkLst>
+            <pc:docMk/>
+            <pc:sldMk cId="3041935509" sldId="414"/>
+            <ac:spMk id="7" creationId="{12999460-ECFC-E292-DEAF-302BAD51B8CF}"/>
+          </ac:spMkLst>
+        </pc:spChg>
+        <pc:spChg chg="add del mod modVis">
           <ac:chgData name="Ganasen, S. (Samantha)" userId="1aefe51b-8b5e-4f27-ab1e-54c7ac2f2976" providerId="ADAL" clId="{56F3CFAE-7241-4752-903A-D6C230C8EA12}" dt="2025-07-11T14:59:24.127" v="476"/>
           <ac:spMkLst>
             <pc:docMk/>
@@ -1436,8 +1476,16 @@
             <ac:spMk id="7" creationId="{8CCF330D-99D0-1FBC-B662-60AD934A8CB6}"/>
           </ac:spMkLst>
         </pc:spChg>
+        <pc:spChg chg="add del mod modVis">
+          <ac:chgData name="Ganasen, S. (Samantha)" userId="1aefe51b-8b5e-4f27-ab1e-54c7ac2f2976" providerId="ADAL" clId="{56F3CFAE-7241-4752-903A-D6C230C8EA12}" dt="2025-07-11T16:30:54.972" v="2743"/>
+          <ac:spMkLst>
+            <pc:docMk/>
+            <pc:sldMk cId="3041935509" sldId="414"/>
+            <ac:spMk id="9" creationId="{2607B538-832A-A8F5-3A88-CAE95FD374AE}"/>
+          </ac:spMkLst>
+        </pc:spChg>
         <pc:spChg chg="mod">
-          <ac:chgData name="Ganasen, S. (Samantha)" userId="1aefe51b-8b5e-4f27-ab1e-54c7ac2f2976" providerId="ADAL" clId="{56F3CFAE-7241-4752-903A-D6C230C8EA12}" dt="2025-07-11T16:12:08.141" v="2440" actId="948"/>
+          <ac:chgData name="Ganasen, S. (Samantha)" userId="1aefe51b-8b5e-4f27-ab1e-54c7ac2f2976" providerId="ADAL" clId="{56F3CFAE-7241-4752-903A-D6C230C8EA12}" dt="2025-07-11T16:30:54.940" v="2720" actId="948"/>
           <ac:spMkLst>
             <pc:docMk/>
             <pc:sldMk cId="3041935509" sldId="414"/>
@@ -1461,7 +1509,7 @@
           </ac:spMkLst>
         </pc:spChg>
         <pc:graphicFrameChg chg="mod">
-          <ac:chgData name="Ganasen, S. (Samantha)" userId="1aefe51b-8b5e-4f27-ab1e-54c7ac2f2976" providerId="ADAL" clId="{56F3CFAE-7241-4752-903A-D6C230C8EA12}" dt="2025-07-11T16:12:08.166" v="2465"/>
+          <ac:chgData name="Ganasen, S. (Samantha)" userId="1aefe51b-8b5e-4f27-ab1e-54c7ac2f2976" providerId="ADAL" clId="{56F3CFAE-7241-4752-903A-D6C230C8EA12}" dt="2025-07-11T16:30:54.972" v="2745"/>
           <ac:graphicFrameMkLst>
             <pc:docMk/>
             <pc:sldMk cId="3041935509" sldId="414"/>
@@ -1469,7 +1517,7 @@
           </ac:graphicFrameMkLst>
         </pc:graphicFrameChg>
         <pc:picChg chg="add mod">
-          <ac:chgData name="Ganasen, S. (Samantha)" userId="1aefe51b-8b5e-4f27-ab1e-54c7ac2f2976" providerId="ADAL" clId="{56F3CFAE-7241-4752-903A-D6C230C8EA12}" dt="2025-07-11T15:28:13.609" v="885" actId="14100"/>
+          <ac:chgData name="Ganasen, S. (Samantha)" userId="1aefe51b-8b5e-4f27-ab1e-54c7ac2f2976" providerId="ADAL" clId="{56F3CFAE-7241-4752-903A-D6C230C8EA12}" dt="2025-07-11T16:54:09.340" v="2927" actId="1076"/>
           <ac:picMkLst>
             <pc:docMk/>
             <pc:sldMk cId="3041935509" sldId="414"/>
@@ -1477,7 +1525,7 @@
           </ac:picMkLst>
         </pc:picChg>
         <pc:picChg chg="add mod">
-          <ac:chgData name="Ganasen, S. (Samantha)" userId="1aefe51b-8b5e-4f27-ab1e-54c7ac2f2976" providerId="ADAL" clId="{56F3CFAE-7241-4752-903A-D6C230C8EA12}" dt="2025-07-11T15:47:31.699" v="1275" actId="14100"/>
+          <ac:chgData name="Ganasen, S. (Samantha)" userId="1aefe51b-8b5e-4f27-ab1e-54c7ac2f2976" providerId="ADAL" clId="{56F3CFAE-7241-4752-903A-D6C230C8EA12}" dt="2025-07-11T16:54:05.837" v="2926" actId="1076"/>
           <ac:picMkLst>
             <pc:docMk/>
             <pc:sldMk cId="3041935509" sldId="414"/>
@@ -1485,20 +1533,114 @@
           </ac:picMkLst>
         </pc:picChg>
       </pc:sldChg>
-      <pc:sldChg chg="modSp add mod">
-        <pc:chgData name="Ganasen, S. (Samantha)" userId="1aefe51b-8b5e-4f27-ab1e-54c7ac2f2976" providerId="ADAL" clId="{56F3CFAE-7241-4752-903A-D6C230C8EA12}" dt="2025-07-11T16:11:27.741" v="2330" actId="6549"/>
+      <pc:sldChg chg="addSp delSp modSp add mod">
+        <pc:chgData name="Ganasen, S. (Samantha)" userId="1aefe51b-8b5e-4f27-ab1e-54c7ac2f2976" providerId="ADAL" clId="{56F3CFAE-7241-4752-903A-D6C230C8EA12}" dt="2025-07-11T16:30:36.171" v="2660"/>
         <pc:sldMkLst>
           <pc:docMk/>
           <pc:sldMk cId="4172458240" sldId="415"/>
         </pc:sldMkLst>
+        <pc:spChg chg="add del mod modVis">
+          <ac:chgData name="Ganasen, S. (Samantha)" userId="1aefe51b-8b5e-4f27-ab1e-54c7ac2f2976" providerId="ADAL" clId="{56F3CFAE-7241-4752-903A-D6C230C8EA12}" dt="2025-07-11T16:30:36.171" v="2658"/>
+          <ac:spMkLst>
+            <pc:docMk/>
+            <pc:sldMk cId="4172458240" sldId="415"/>
+            <ac:spMk id="2" creationId="{A83F71CD-8265-2718-A58D-A906F157C249}"/>
+          </ac:spMkLst>
+        </pc:spChg>
         <pc:spChg chg="mod">
-          <ac:chgData name="Ganasen, S. (Samantha)" userId="1aefe51b-8b5e-4f27-ab1e-54c7ac2f2976" providerId="ADAL" clId="{56F3CFAE-7241-4752-903A-D6C230C8EA12}" dt="2025-07-11T16:11:27.741" v="2330" actId="6549"/>
+          <ac:chgData name="Ganasen, S. (Samantha)" userId="1aefe51b-8b5e-4f27-ab1e-54c7ac2f2976" providerId="ADAL" clId="{56F3CFAE-7241-4752-903A-D6C230C8EA12}" dt="2025-07-11T16:30:36.135" v="2635" actId="948"/>
+          <ac:spMkLst>
+            <pc:docMk/>
+            <pc:sldMk cId="4172458240" sldId="415"/>
+            <ac:spMk id="12" creationId="{F5477141-E46B-575D-3851-5021C286DAD4}"/>
+          </ac:spMkLst>
+        </pc:spChg>
+        <pc:spChg chg="mod">
+          <ac:chgData name="Ganasen, S. (Samantha)" userId="1aefe51b-8b5e-4f27-ab1e-54c7ac2f2976" providerId="ADAL" clId="{56F3CFAE-7241-4752-903A-D6C230C8EA12}" dt="2025-07-11T16:29:56.404" v="2633" actId="2710"/>
           <ac:spMkLst>
             <pc:docMk/>
             <pc:sldMk cId="4172458240" sldId="415"/>
             <ac:spMk id="13" creationId="{7B59601F-98C6-24C8-AA96-91ABAFA4911A}"/>
           </ac:spMkLst>
         </pc:spChg>
+        <pc:graphicFrameChg chg="mod">
+          <ac:chgData name="Ganasen, S. (Samantha)" userId="1aefe51b-8b5e-4f27-ab1e-54c7ac2f2976" providerId="ADAL" clId="{56F3CFAE-7241-4752-903A-D6C230C8EA12}" dt="2025-07-11T16:30:36.171" v="2660"/>
+          <ac:graphicFrameMkLst>
+            <pc:docMk/>
+            <pc:sldMk cId="4172458240" sldId="415"/>
+            <ac:graphicFrameMk id="7" creationId="{E3F6A769-BD40-1A63-9269-857E8549C325}"/>
+          </ac:graphicFrameMkLst>
+        </pc:graphicFrameChg>
+      </pc:sldChg>
+      <pc:sldChg chg="addSp delSp modSp add mod">
+        <pc:chgData name="Ganasen, S. (Samantha)" userId="1aefe51b-8b5e-4f27-ab1e-54c7ac2f2976" providerId="ADAL" clId="{56F3CFAE-7241-4752-903A-D6C230C8EA12}" dt="2025-07-11T16:42:02.172" v="2916" actId="207"/>
+        <pc:sldMkLst>
+          <pc:docMk/>
+          <pc:sldMk cId="580001310" sldId="416"/>
+        </pc:sldMkLst>
+        <pc:spChg chg="add del mod">
+          <ac:chgData name="Ganasen, S. (Samantha)" userId="1aefe51b-8b5e-4f27-ab1e-54c7ac2f2976" providerId="ADAL" clId="{56F3CFAE-7241-4752-903A-D6C230C8EA12}" dt="2025-07-11T16:41:20.859" v="2910" actId="478"/>
+          <ac:spMkLst>
+            <pc:docMk/>
+            <pc:sldMk cId="580001310" sldId="416"/>
+            <ac:spMk id="4" creationId="{1C9C8CF8-E9E9-B251-212A-E3409A1E4B05}"/>
+          </ac:spMkLst>
+        </pc:spChg>
+        <pc:spChg chg="mod">
+          <ac:chgData name="Ganasen, S. (Samantha)" userId="1aefe51b-8b5e-4f27-ab1e-54c7ac2f2976" providerId="ADAL" clId="{56F3CFAE-7241-4752-903A-D6C230C8EA12}" dt="2025-07-11T16:42:02.172" v="2916" actId="207"/>
+          <ac:spMkLst>
+            <pc:docMk/>
+            <pc:sldMk cId="580001310" sldId="416"/>
+            <ac:spMk id="13" creationId="{E79A268B-DD57-E113-7841-329EF7935D76}"/>
+          </ac:spMkLst>
+        </pc:spChg>
+        <pc:picChg chg="mod">
+          <ac:chgData name="Ganasen, S. (Samantha)" userId="1aefe51b-8b5e-4f27-ab1e-54c7ac2f2976" providerId="ADAL" clId="{56F3CFAE-7241-4752-903A-D6C230C8EA12}" dt="2025-07-11T16:41:43.359" v="2915" actId="1076"/>
+          <ac:picMkLst>
+            <pc:docMk/>
+            <pc:sldMk cId="580001310" sldId="416"/>
+            <ac:picMk id="5" creationId="{51DC9FBB-923B-5533-6F03-F75DECFF3F70}"/>
+          </ac:picMkLst>
+        </pc:picChg>
+      </pc:sldChg>
+      <pc:sldChg chg="addSp delSp modSp add mod">
+        <pc:chgData name="Ganasen, S. (Samantha)" userId="1aefe51b-8b5e-4f27-ab1e-54c7ac2f2976" providerId="ADAL" clId="{56F3CFAE-7241-4752-903A-D6C230C8EA12}" dt="2025-07-11T16:41:14.425" v="2909" actId="113"/>
+        <pc:sldMkLst>
+          <pc:docMk/>
+          <pc:sldMk cId="3128454174" sldId="417"/>
+        </pc:sldMkLst>
+        <pc:spChg chg="add mod">
+          <ac:chgData name="Ganasen, S. (Samantha)" userId="1aefe51b-8b5e-4f27-ab1e-54c7ac2f2976" providerId="ADAL" clId="{56F3CFAE-7241-4752-903A-D6C230C8EA12}" dt="2025-07-11T16:41:14.425" v="2909" actId="113"/>
+          <ac:spMkLst>
+            <pc:docMk/>
+            <pc:sldMk cId="3128454174" sldId="417"/>
+            <ac:spMk id="2" creationId="{1C9C8CF8-E9E9-B251-212A-E3409A1E4B05}"/>
+          </ac:spMkLst>
+        </pc:spChg>
+        <pc:spChg chg="del">
+          <ac:chgData name="Ganasen, S. (Samantha)" userId="1aefe51b-8b5e-4f27-ab1e-54c7ac2f2976" providerId="ADAL" clId="{56F3CFAE-7241-4752-903A-D6C230C8EA12}" dt="2025-07-11T16:40:19.490" v="2896" actId="21"/>
+          <ac:spMkLst>
+            <pc:docMk/>
+            <pc:sldMk cId="3128454174" sldId="417"/>
+            <ac:spMk id="4" creationId="{1C9C8CF8-E9E9-B251-212A-E3409A1E4B05}"/>
+          </ac:spMkLst>
+        </pc:spChg>
+        <pc:spChg chg="del">
+          <ac:chgData name="Ganasen, S. (Samantha)" userId="1aefe51b-8b5e-4f27-ab1e-54c7ac2f2976" providerId="ADAL" clId="{56F3CFAE-7241-4752-903A-D6C230C8EA12}" dt="2025-07-11T16:40:31.990" v="2898" actId="478"/>
+          <ac:spMkLst>
+            <pc:docMk/>
+            <pc:sldMk cId="3128454174" sldId="417"/>
+            <ac:spMk id="13" creationId="{E79A268B-DD57-E113-7841-329EF7935D76}"/>
+          </ac:spMkLst>
+        </pc:spChg>
+        <pc:picChg chg="del">
+          <ac:chgData name="Ganasen, S. (Samantha)" userId="1aefe51b-8b5e-4f27-ab1e-54c7ac2f2976" providerId="ADAL" clId="{56F3CFAE-7241-4752-903A-D6C230C8EA12}" dt="2025-07-11T16:40:30.058" v="2897" actId="478"/>
+          <ac:picMkLst>
+            <pc:docMk/>
+            <pc:sldMk cId="3128454174" sldId="417"/>
+            <ac:picMk id="5" creationId="{51DC9FBB-923B-5533-6F03-F75DECFF3F70}"/>
+          </ac:picMkLst>
+        </pc:picChg>
       </pc:sldChg>
       <pc:sldMasterChg chg="modSldLayout">
         <pc:chgData name="Ganasen, S. (Samantha)" userId="1aefe51b-8b5e-4f27-ab1e-54c7ac2f2976" providerId="ADAL" clId="{56F3CFAE-7241-4752-903A-D6C230C8EA12}" dt="2025-07-11T16:03:32.820" v="1728" actId="16037"/>
@@ -2680,7 +2822,7 @@
     </p:spTree>
     <p:extLst>
       <p:ext uri="{BB962C8B-B14F-4D97-AF65-F5344CB8AC3E}">
-        <p14:creationId xmlns:p14="http://schemas.microsoft.com/office/powerpoint/2010/main" val="2386183720"/>
+        <p14:creationId xmlns:p14="http://schemas.microsoft.com/office/powerpoint/2010/main" val="1183159892"/>
       </p:ext>
     </p:extLst>
   </p:cSld>
@@ -2764,7 +2906,7 @@
     </p:spTree>
     <p:extLst>
       <p:ext uri="{BB962C8B-B14F-4D97-AF65-F5344CB8AC3E}">
-        <p14:creationId xmlns:p14="http://schemas.microsoft.com/office/powerpoint/2010/main" val="1183159892"/>
+        <p14:creationId xmlns:p14="http://schemas.microsoft.com/office/powerpoint/2010/main" val="1333469940"/>
       </p:ext>
     </p:extLst>
   </p:cSld>
@@ -2848,7 +2990,7 @@
     </p:spTree>
     <p:extLst>
       <p:ext uri="{BB962C8B-B14F-4D97-AF65-F5344CB8AC3E}">
-        <p14:creationId xmlns:p14="http://schemas.microsoft.com/office/powerpoint/2010/main" val="1333469940"/>
+        <p14:creationId xmlns:p14="http://schemas.microsoft.com/office/powerpoint/2010/main" val="931700359"/>
       </p:ext>
     </p:extLst>
   </p:cSld>
@@ -2932,7 +3074,7 @@
     </p:spTree>
     <p:extLst>
       <p:ext uri="{BB962C8B-B14F-4D97-AF65-F5344CB8AC3E}">
-        <p14:creationId xmlns:p14="http://schemas.microsoft.com/office/powerpoint/2010/main" val="1097289843"/>
+        <p14:creationId xmlns:p14="http://schemas.microsoft.com/office/powerpoint/2010/main" val="1891269444"/>
       </p:ext>
     </p:extLst>
   </p:cSld>
@@ -11100,7 +11242,7 @@
             </p:custDataLst>
             <p:extLst>
               <p:ext uri="{D42A27DB-BD31-4B8C-83A1-F6EECF244321}">
-                <p14:modId xmlns:p14="http://schemas.microsoft.com/office/powerpoint/2010/main" val="3851201552"/>
+                <p14:modId xmlns:p14="http://schemas.microsoft.com/office/powerpoint/2010/main" val="3022681414"/>
               </p:ext>
             </p:extLst>
           </p:nvPr>
@@ -11197,7 +11339,7 @@
                 </a:solidFill>
                 <a:latin typeface="Century Schoolbook" panose="02040604050505020304" pitchFamily="18" charset="0"/>
               </a:rPr>
-              <a:t>2409PTDS Classification Project </a:t>
+              <a:t>2409PTDS NLP Project </a:t>
             </a:r>
           </a:p>
         </p:txBody>
@@ -11218,8 +11360,8 @@
         </p:nvSpPr>
         <p:spPr>
           <a:xfrm>
-            <a:off x="2380033" y="1782155"/>
-            <a:ext cx="7937770" cy="1058034"/>
+            <a:off x="2380032" y="1782155"/>
+            <a:ext cx="8801773" cy="1058034"/>
           </a:xfrm>
           <a:prstGeom prst="rect">
             <a:avLst/>
@@ -11423,7 +11565,7 @@
               <a:buNone/>
             </a:pPr>
             <a:r>
-              <a:rPr lang="en-ZA" sz="2000" dirty="0">
+              <a:rPr lang="en-ZA" sz="2000" b="1" dirty="0">
                 <a:latin typeface="Century Schoolbook" panose="02040604050505020304" pitchFamily="18" charset="0"/>
                 <a:ea typeface="+mj-ea"/>
                 <a:cs typeface="+mj-cs"/>
@@ -11439,7 +11581,7 @@
               <a:buNone/>
             </a:pPr>
             <a:r>
-              <a:rPr lang="en-ZA" sz="2000" dirty="0">
+              <a:rPr lang="en-ZA" sz="2000" b="1" dirty="0">
                 <a:latin typeface="Century Schoolbook" panose="02040604050505020304" pitchFamily="18" charset="0"/>
                 <a:ea typeface="+mj-ea"/>
                 <a:cs typeface="+mj-cs"/>
@@ -11463,8 +11605,8 @@
         </p:nvSpPr>
         <p:spPr>
           <a:xfrm>
-            <a:off x="2029837" y="3209685"/>
-            <a:ext cx="8638162" cy="923330"/>
+            <a:off x="561702" y="3209685"/>
+            <a:ext cx="10842171" cy="923330"/>
           </a:xfrm>
           <a:prstGeom prst="rect">
             <a:avLst/>
@@ -11481,7 +11623,7 @@
           <a:p>
             <a:pPr algn="just"/>
             <a:r>
-              <a:rPr lang="en-ZA" b="0" i="0" dirty="0">
+              <a:rPr lang="en-ZA" b="1" i="0" dirty="0">
                 <a:solidFill>
                   <a:schemeClr val="bg1"/>
                 </a:solidFill>
@@ -11491,7 +11633,7 @@
               <a:t>This project focuses on building a robust machine learning pipeline to classify news articles into predefined categories. It encompasses the full lifecycle from data preprocessing to model deployment in a </a:t>
             </a:r>
             <a:r>
-              <a:rPr lang="en-ZA" b="0" i="0" dirty="0" err="1">
+              <a:rPr lang="en-ZA" b="1" i="0" dirty="0" err="1">
                 <a:solidFill>
                   <a:schemeClr val="bg1"/>
                 </a:solidFill>
@@ -11501,7 +11643,7 @@
               <a:t>Streamlit</a:t>
             </a:r>
             <a:r>
-              <a:rPr lang="en-ZA" b="0" i="0" dirty="0">
+              <a:rPr lang="en-ZA" b="1" i="0" dirty="0">
                 <a:solidFill>
                   <a:schemeClr val="bg1"/>
                 </a:solidFill>
@@ -11510,7 +11652,7 @@
               </a:rPr>
               <a:t> application.</a:t>
             </a:r>
-            <a:endParaRPr lang="en-ZA" dirty="0">
+            <a:endParaRPr lang="en-ZA" b="1" dirty="0">
               <a:solidFill>
                 <a:schemeClr val="bg1"/>
               </a:solidFill>
@@ -11597,7 +11739,7 @@
             </p:custDataLst>
             <p:extLst>
               <p:ext uri="{D42A27DB-BD31-4B8C-83A1-F6EECF244321}">
-                <p14:modId xmlns:p14="http://schemas.microsoft.com/office/powerpoint/2010/main" val="3302393012"/>
+                <p14:modId xmlns:p14="http://schemas.microsoft.com/office/powerpoint/2010/main" val="2869464954"/>
               </p:ext>
             </p:extLst>
           </p:nvPr>
@@ -11686,7 +11828,7 @@
                 </a:solidFill>
                 <a:latin typeface="Century Schoolbook" panose="02040604050505020304" pitchFamily="18" charset="0"/>
               </a:rPr>
-              <a:t>7. GitHub &amp; Environment Setup</a:t>
+              <a:t>6. GitHub &amp; Environment Setup</a:t>
             </a:r>
           </a:p>
         </p:txBody>
@@ -11894,7 +12036,7 @@
               <a:buNone/>
             </a:pPr>
             <a:r>
-              <a:rPr lang="en-ZA" sz="1600" dirty="0">
+              <a:rPr lang="en-ZA" sz="1600" b="1" dirty="0">
                 <a:latin typeface="Century Schoolbook" panose="02040604050505020304" pitchFamily="18" charset="0"/>
               </a:rPr>
               <a:t>Repository Setup:</a:t>
@@ -11945,7 +12087,7 @@
               <a:rPr lang="en-ZA" sz="1600" dirty="0">
                 <a:latin typeface="Century Schoolbook" panose="02040604050505020304" pitchFamily="18" charset="0"/>
               </a:rPr>
-              <a:t>requirements.txt for environment recreation</a:t>
+              <a:t>Requirements.txt for environment recreation</a:t>
             </a:r>
           </a:p>
           <a:p>
@@ -12107,7 +12249,7 @@
                 </a:solidFill>
                 <a:latin typeface="Century Schoolbook" panose="02040604050505020304" pitchFamily="18" charset="0"/>
               </a:rPr>
-              <a:t>8. Project Management Tools</a:t>
+              <a:t>7. Project Management Tools</a:t>
             </a:r>
           </a:p>
         </p:txBody>
@@ -13259,7 +13401,25 @@
                 </a:solidFill>
                 <a:latin typeface="Century Schoolbook" panose="02040604050505020304" pitchFamily="18" charset="0"/>
               </a:rPr>
-              <a:t>Dataset &amp; Preprocessing</a:t>
+              <a:t>Dataset </a:t>
+            </a:r>
+            <a:endParaRPr lang="en-ZA" sz="1800" dirty="0">
+              <a:latin typeface="Century Schoolbook" panose="02040604050505020304" pitchFamily="18" charset="0"/>
+            </a:endParaRPr>
+          </a:p>
+          <a:p>
+            <a:pPr marL="457200" indent="-457200">
+              <a:buFont typeface="+mj-lt"/>
+              <a:buAutoNum type="arabicPeriod"/>
+            </a:pPr>
+            <a:r>
+              <a:rPr lang="en-ZA" sz="1800" dirty="0">
+                <a:solidFill>
+                  <a:schemeClr val="bg1"/>
+                </a:solidFill>
+                <a:latin typeface="Century Schoolbook" panose="02040604050505020304" pitchFamily="18" charset="0"/>
+              </a:rPr>
+              <a:t>Preprocessing</a:t>
             </a:r>
           </a:p>
           <a:p>
@@ -14072,7 +14232,7 @@
           <a:lstStyle/>
           <a:p>
             <a:r>
-              <a:rPr lang="en-ZA" b="1">
+              <a:rPr lang="en-ZA" b="1" dirty="0">
                 <a:solidFill>
                   <a:srgbClr val="0070C0"/>
                 </a:solidFill>
@@ -14732,7 +14892,7 @@
           <a:lstStyle/>
           <a:p>
             <a:r>
-              <a:rPr lang="en-ZA" sz="1400" dirty="0">
+              <a:rPr lang="en-ZA" sz="1400" b="1" dirty="0">
                 <a:solidFill>
                   <a:schemeClr val="bg1"/>
                 </a:solidFill>
@@ -14741,7 +14901,7 @@
               <a:t>The goal is to develop a classification model that can accurately categorize news articles into domains such as Business, Technology, Sports, Education, and Entertainment. The final model is deployed in a user-friendly </a:t>
             </a:r>
             <a:r>
-              <a:rPr lang="en-ZA" sz="1400" dirty="0" err="1">
+              <a:rPr lang="en-ZA" sz="1400" b="1" dirty="0" err="1">
                 <a:solidFill>
                   <a:schemeClr val="bg1"/>
                 </a:solidFill>
@@ -14750,7 +14910,7 @@
               <a:t>Streamlit</a:t>
             </a:r>
             <a:r>
-              <a:rPr lang="en-ZA" sz="1400" dirty="0">
+              <a:rPr lang="en-ZA" sz="1400" b="1" dirty="0">
                 <a:solidFill>
                   <a:schemeClr val="bg1"/>
                 </a:solidFill>
@@ -15230,7 +15390,7 @@
             </p:custDataLst>
             <p:extLst>
               <p:ext uri="{D42A27DB-BD31-4B8C-83A1-F6EECF244321}">
-                <p14:modId xmlns:p14="http://schemas.microsoft.com/office/powerpoint/2010/main" val="140555466"/>
+                <p14:modId xmlns:p14="http://schemas.microsoft.com/office/powerpoint/2010/main" val="4053629554"/>
               </p:ext>
             </p:extLst>
           </p:nvPr>
@@ -15319,591 +15479,7 @@
                 </a:solidFill>
                 <a:latin typeface="Century Schoolbook" panose="02040604050505020304" pitchFamily="18" charset="0"/>
               </a:rPr>
-              <a:t>2. Dataset &amp; Preprocessing</a:t>
-            </a:r>
-          </a:p>
-        </p:txBody>
-      </p:sp>
-      <p:sp>
-        <p:nvSpPr>
-          <p:cNvPr id="13" name="Content Placeholder 7">
-            <a:extLst>
-              <a:ext uri="{FF2B5EF4-FFF2-40B4-BE49-F238E27FC236}">
-                <a16:creationId xmlns:a16="http://schemas.microsoft.com/office/drawing/2014/main" id="{7B59601F-98C6-24C8-AA96-91ABAFA4911A}"/>
-              </a:ext>
-            </a:extLst>
-          </p:cNvPr>
-          <p:cNvSpPr txBox="1">
-            <a:spLocks/>
-          </p:cNvSpPr>
-          <p:nvPr/>
-        </p:nvSpPr>
-        <p:spPr>
-          <a:xfrm>
-            <a:off x="838200" y="943584"/>
-            <a:ext cx="10515600" cy="5549290"/>
-          </a:xfrm>
-          <a:prstGeom prst="rect">
-            <a:avLst/>
-          </a:prstGeom>
-        </p:spPr>
-        <p:txBody>
-          <a:bodyPr>
-            <a:normAutofit fontScale="92500" lnSpcReduction="20000"/>
-          </a:bodyPr>
-          <a:lstStyle>
-            <a:lvl1pPr marL="228600" indent="-283464" algn="l" defTabSz="914400" rtl="0" eaLnBrk="1" latinLnBrk="0" hangingPunct="1">
-              <a:lnSpc>
-                <a:spcPct val="90000"/>
-              </a:lnSpc>
-              <a:spcBef>
-                <a:spcPts val="1000"/>
-              </a:spcBef>
-              <a:buFont typeface="Arial" panose="020B0604020202020204" pitchFamily="34" charset="0"/>
-              <a:buChar char="•"/>
-              <a:defRPr sz="2800" b="0" i="0" kern="1200">
-                <a:solidFill>
-                  <a:schemeClr val="bg1"/>
-                </a:solidFill>
-                <a:latin typeface="+mn-lt"/>
-                <a:ea typeface="+mn-ea"/>
-                <a:cs typeface="+mn-cs"/>
-              </a:defRPr>
-            </a:lvl1pPr>
-            <a:lvl2pPr marL="685800" indent="-283464" algn="l" defTabSz="914400" rtl="0" eaLnBrk="1" latinLnBrk="0" hangingPunct="1">
-              <a:lnSpc>
-                <a:spcPct val="90000"/>
-              </a:lnSpc>
-              <a:spcBef>
-                <a:spcPts val="500"/>
-              </a:spcBef>
-              <a:buFont typeface="Arial" panose="020B0604020202020204" pitchFamily="34" charset="0"/>
-              <a:buChar char="•"/>
-              <a:defRPr sz="2400" b="0" i="0" kern="1200">
-                <a:solidFill>
-                  <a:schemeClr val="bg1"/>
-                </a:solidFill>
-                <a:latin typeface="+mn-lt"/>
-                <a:ea typeface="+mn-ea"/>
-                <a:cs typeface="+mn-cs"/>
-              </a:defRPr>
-            </a:lvl2pPr>
-            <a:lvl3pPr marL="1143000" indent="-283464" algn="l" defTabSz="914400" rtl="0" eaLnBrk="1" latinLnBrk="0" hangingPunct="1">
-              <a:lnSpc>
-                <a:spcPct val="90000"/>
-              </a:lnSpc>
-              <a:spcBef>
-                <a:spcPts val="500"/>
-              </a:spcBef>
-              <a:buFont typeface="Arial" panose="020B0604020202020204" pitchFamily="34" charset="0"/>
-              <a:buChar char="•"/>
-              <a:defRPr sz="2000" b="0" i="0" kern="1200">
-                <a:solidFill>
-                  <a:schemeClr val="bg1"/>
-                </a:solidFill>
-                <a:latin typeface="+mn-lt"/>
-                <a:ea typeface="+mn-ea"/>
-                <a:cs typeface="+mn-cs"/>
-              </a:defRPr>
-            </a:lvl3pPr>
-            <a:lvl4pPr marL="1600200" indent="-283464" algn="l" defTabSz="914400" rtl="0" eaLnBrk="1" latinLnBrk="0" hangingPunct="1">
-              <a:lnSpc>
-                <a:spcPct val="90000"/>
-              </a:lnSpc>
-              <a:spcBef>
-                <a:spcPts val="500"/>
-              </a:spcBef>
-              <a:buFont typeface="Arial" panose="020B0604020202020204" pitchFamily="34" charset="0"/>
-              <a:buChar char="•"/>
-              <a:defRPr sz="1800" b="0" i="0" kern="1200">
-                <a:solidFill>
-                  <a:schemeClr val="bg1"/>
-                </a:solidFill>
-                <a:latin typeface="+mn-lt"/>
-                <a:ea typeface="+mn-ea"/>
-                <a:cs typeface="+mn-cs"/>
-              </a:defRPr>
-            </a:lvl4pPr>
-            <a:lvl5pPr marL="2057400" indent="-283464" algn="l" defTabSz="914400" rtl="0" eaLnBrk="1" latinLnBrk="0" hangingPunct="1">
-              <a:lnSpc>
-                <a:spcPct val="90000"/>
-              </a:lnSpc>
-              <a:spcBef>
-                <a:spcPts val="500"/>
-              </a:spcBef>
-              <a:buFont typeface="Arial" panose="020B0604020202020204" pitchFamily="34" charset="0"/>
-              <a:buChar char="•"/>
-              <a:defRPr sz="1800" b="0" i="0" kern="1200">
-                <a:solidFill>
-                  <a:schemeClr val="bg1"/>
-                </a:solidFill>
-                <a:latin typeface="+mn-lt"/>
-                <a:ea typeface="+mn-ea"/>
-                <a:cs typeface="+mn-cs"/>
-              </a:defRPr>
-            </a:lvl5pPr>
-            <a:lvl6pPr marL="2514600" indent="-228600" algn="l" defTabSz="914400" rtl="0" eaLnBrk="1" latinLnBrk="0" hangingPunct="1">
-              <a:lnSpc>
-                <a:spcPct val="90000"/>
-              </a:lnSpc>
-              <a:spcBef>
-                <a:spcPts val="500"/>
-              </a:spcBef>
-              <a:buFont typeface="Arial" panose="020B0604020202020204" pitchFamily="34" charset="0"/>
-              <a:buChar char="•"/>
-              <a:defRPr sz="1800" kern="1200">
-                <a:solidFill>
-                  <a:schemeClr val="tx1"/>
-                </a:solidFill>
-                <a:latin typeface="+mn-lt"/>
-                <a:ea typeface="+mn-ea"/>
-                <a:cs typeface="+mn-cs"/>
-              </a:defRPr>
-            </a:lvl6pPr>
-            <a:lvl7pPr marL="2971800" indent="-228600" algn="l" defTabSz="914400" rtl="0" eaLnBrk="1" latinLnBrk="0" hangingPunct="1">
-              <a:lnSpc>
-                <a:spcPct val="90000"/>
-              </a:lnSpc>
-              <a:spcBef>
-                <a:spcPts val="500"/>
-              </a:spcBef>
-              <a:buFont typeface="Arial" panose="020B0604020202020204" pitchFamily="34" charset="0"/>
-              <a:buChar char="•"/>
-              <a:defRPr sz="1800" kern="1200">
-                <a:solidFill>
-                  <a:schemeClr val="tx1"/>
-                </a:solidFill>
-                <a:latin typeface="+mn-lt"/>
-                <a:ea typeface="+mn-ea"/>
-                <a:cs typeface="+mn-cs"/>
-              </a:defRPr>
-            </a:lvl7pPr>
-            <a:lvl8pPr marL="3429000" indent="-228600" algn="l" defTabSz="914400" rtl="0" eaLnBrk="1" latinLnBrk="0" hangingPunct="1">
-              <a:lnSpc>
-                <a:spcPct val="90000"/>
-              </a:lnSpc>
-              <a:spcBef>
-                <a:spcPts val="500"/>
-              </a:spcBef>
-              <a:buFont typeface="Arial" panose="020B0604020202020204" pitchFamily="34" charset="0"/>
-              <a:buChar char="•"/>
-              <a:defRPr sz="1800" kern="1200">
-                <a:solidFill>
-                  <a:schemeClr val="tx1"/>
-                </a:solidFill>
-                <a:latin typeface="+mn-lt"/>
-                <a:ea typeface="+mn-ea"/>
-                <a:cs typeface="+mn-cs"/>
-              </a:defRPr>
-            </a:lvl8pPr>
-            <a:lvl9pPr marL="3886200" indent="-228600" algn="l" defTabSz="914400" rtl="0" eaLnBrk="1" latinLnBrk="0" hangingPunct="1">
-              <a:lnSpc>
-                <a:spcPct val="90000"/>
-              </a:lnSpc>
-              <a:spcBef>
-                <a:spcPts val="500"/>
-              </a:spcBef>
-              <a:buFont typeface="Arial" panose="020B0604020202020204" pitchFamily="34" charset="0"/>
-              <a:buChar char="•"/>
-              <a:defRPr sz="1800" kern="1200">
-                <a:solidFill>
-                  <a:schemeClr val="tx1"/>
-                </a:solidFill>
-                <a:latin typeface="+mn-lt"/>
-                <a:ea typeface="+mn-ea"/>
-                <a:cs typeface="+mn-cs"/>
-              </a:defRPr>
-            </a:lvl9pPr>
-          </a:lstStyle>
-          <a:p>
-            <a:r>
-              <a:rPr lang="en-ZA" sz="1400" b="1" dirty="0">
-                <a:latin typeface="Century Schoolbook" panose="02040604050505020304" pitchFamily="18" charset="0"/>
-              </a:rPr>
-              <a:t>Dataset:  </a:t>
-            </a:r>
-          </a:p>
-          <a:p>
-            <a:pPr lvl="1"/>
-            <a:r>
-              <a:rPr lang="en-ZA" sz="1400" dirty="0">
-                <a:latin typeface="Century Schoolbook" panose="02040604050505020304" pitchFamily="18" charset="0"/>
-              </a:rPr>
-              <a:t>Training Dataset (train.csv) is rich in business and economic news, covering a wide range of topics:</a:t>
-            </a:r>
-          </a:p>
-          <a:p>
-            <a:pPr lvl="2"/>
-            <a:r>
-              <a:rPr lang="en-ZA" sz="1400" dirty="0">
-                <a:latin typeface="Century Schoolbook" panose="02040604050505020304" pitchFamily="18" charset="0"/>
-              </a:rPr>
-              <a:t>Regulatory &amp; Policy Updates RBI revised KYC norms for politically-exposed persons. Government issued advisories on AI-generated deepfakes. Import restrictions were placed on laptops and PCs to boost domestic manufacturing.</a:t>
-            </a:r>
-          </a:p>
-          <a:p>
-            <a:pPr lvl="2"/>
-            <a:r>
-              <a:rPr lang="en-ZA" sz="1400" dirty="0">
-                <a:latin typeface="Century Schoolbook" panose="02040604050505020304" pitchFamily="18" charset="0"/>
-              </a:rPr>
-              <a:t>Corporate &amp; Market Performance LIC and NDTV reported contrasting quarterly results. IPOs like </a:t>
-            </a:r>
-            <a:r>
-              <a:rPr lang="en-ZA" sz="1400" dirty="0" err="1">
-                <a:latin typeface="Century Schoolbook" panose="02040604050505020304" pitchFamily="18" charset="0"/>
-              </a:rPr>
-              <a:t>Netweb</a:t>
-            </a:r>
-            <a:r>
-              <a:rPr lang="en-ZA" sz="1400" dirty="0">
-                <a:latin typeface="Century Schoolbook" panose="02040604050505020304" pitchFamily="18" charset="0"/>
-              </a:rPr>
-              <a:t> Technologies and market movements in Sensex/Nifty were tracked. Adani Green and TotalEnergies formed a renewable energy joint venture.</a:t>
-            </a:r>
-          </a:p>
-          <a:p>
-            <a:pPr lvl="2"/>
-            <a:r>
-              <a:rPr lang="en-ZA" sz="1400" dirty="0">
-                <a:latin typeface="Century Schoolbook" panose="02040604050505020304" pitchFamily="18" charset="0"/>
-              </a:rPr>
-              <a:t>Economic Indicators India’s current account deficit dropped to 1% of GDP. Borrowing costs for states hit a fiscal high. The rupee hit an all-time low against the US dollar.</a:t>
-            </a:r>
-          </a:p>
-          <a:p>
-            <a:pPr lvl="2"/>
-            <a:r>
-              <a:rPr lang="en-ZA" sz="1400" dirty="0">
-                <a:latin typeface="Century Schoolbook" panose="02040604050505020304" pitchFamily="18" charset="0"/>
-              </a:rPr>
-              <a:t>Strategic Business Moves Air India’s fleet expansion with A350 aircraft. ITC’s focus on FMCG growth. UIDAI appointed a new chairperson.</a:t>
-            </a:r>
-          </a:p>
-          <a:p>
-            <a:pPr lvl="2"/>
-            <a:r>
-              <a:rPr lang="en-ZA" sz="1400" dirty="0">
-                <a:latin typeface="Century Schoolbook" panose="02040604050505020304" pitchFamily="18" charset="0"/>
-              </a:rPr>
-              <a:t>Global &amp; Trade Context India’s exports and imports declined, widening the trade deficit. Electricity demand for air conditioning is projected to rise 9x by 2050.</a:t>
-            </a:r>
-          </a:p>
-          <a:p>
-            <a:pPr lvl="1"/>
-            <a:r>
-              <a:rPr lang="en-ZA" sz="1400" dirty="0">
-                <a:latin typeface="Century Schoolbook" panose="02040604050505020304" pitchFamily="18" charset="0"/>
-              </a:rPr>
-              <a:t>Test Dataset (test.csv) spans multiple domains—business, sports, education, technology, and entertainment:</a:t>
-            </a:r>
-          </a:p>
-          <a:p>
-            <a:pPr lvl="2"/>
-            <a:r>
-              <a:rPr lang="en-ZA" sz="1400" dirty="0">
-                <a:latin typeface="Century Schoolbook" panose="02040604050505020304" pitchFamily="18" charset="0"/>
-              </a:rPr>
-              <a:t>Business GST Council decisions on tax exemptions and rate changes. Toyota’s adoption of Tesla-style </a:t>
-            </a:r>
-            <a:r>
-              <a:rPr lang="en-ZA" sz="1400" dirty="0" err="1">
-                <a:latin typeface="Century Schoolbook" panose="02040604050505020304" pitchFamily="18" charset="0"/>
-              </a:rPr>
-              <a:t>gigacasting</a:t>
-            </a:r>
-            <a:r>
-              <a:rPr lang="en-ZA" sz="1400" dirty="0">
-                <a:latin typeface="Century Schoolbook" panose="02040604050505020304" pitchFamily="18" charset="0"/>
-              </a:rPr>
-              <a:t>. Nayara Energy’s export drop due to domestic demand. OYO launched a premium brand “Palette”.</a:t>
-            </a:r>
-          </a:p>
-          <a:p>
-            <a:pPr lvl="2"/>
-            <a:r>
-              <a:rPr lang="en-ZA" sz="1400" dirty="0">
-                <a:latin typeface="Century Schoolbook" panose="02040604050505020304" pitchFamily="18" charset="0"/>
-              </a:rPr>
-              <a:t>Sports Cristiano Ronaldo’s debut for Al </a:t>
-            </a:r>
-            <a:r>
-              <a:rPr lang="en-ZA" sz="1400" dirty="0" err="1">
-                <a:latin typeface="Century Schoolbook" panose="02040604050505020304" pitchFamily="18" charset="0"/>
-              </a:rPr>
-              <a:t>Nassr</a:t>
-            </a:r>
-            <a:r>
-              <a:rPr lang="en-ZA" sz="1400" dirty="0">
-                <a:latin typeface="Century Schoolbook" panose="02040604050505020304" pitchFamily="18" charset="0"/>
-              </a:rPr>
-              <a:t>. Rafael Nadal’s injury update. Controversies in women’s boxing and hockey. David Warner ruled out of India Tests.</a:t>
-            </a:r>
-          </a:p>
-          <a:p>
-            <a:pPr lvl="2"/>
-            <a:r>
-              <a:rPr lang="en-ZA" sz="1400" dirty="0">
-                <a:latin typeface="Century Schoolbook" panose="02040604050505020304" pitchFamily="18" charset="0"/>
-              </a:rPr>
-              <a:t>Education Updates on NEET, EAMCET, IGNOU, and FMGE. UGC launched a WhatsApp channel for real-time updates. Approval of 50 new medical colleges.</a:t>
-            </a:r>
-          </a:p>
-          <a:p>
-            <a:pPr lvl="2"/>
-            <a:r>
-              <a:rPr lang="en-ZA" sz="1400" dirty="0">
-                <a:latin typeface="Century Schoolbook" panose="02040604050505020304" pitchFamily="18" charset="0"/>
-              </a:rPr>
-              <a:t>Technology WhatsApp added HD photo sharing and video controls. Meta explored monetization strategies. Apple Watch faced a potential ban. ISRO’s Aditya L1 mission reached the Lagrange point.</a:t>
-            </a:r>
-          </a:p>
-          <a:p>
-            <a:pPr lvl="2"/>
-            <a:r>
-              <a:rPr lang="en-ZA" sz="1400" dirty="0">
-                <a:latin typeface="Century Schoolbook" panose="02040604050505020304" pitchFamily="18" charset="0"/>
-              </a:rPr>
-              <a:t>Entertainment Tanuja’s hospitalization and Ira Khan’s unique wedding. Karan </a:t>
-            </a:r>
-            <a:r>
-              <a:rPr lang="en-ZA" sz="1400" dirty="0" err="1">
-                <a:latin typeface="Century Schoolbook" panose="02040604050505020304" pitchFamily="18" charset="0"/>
-              </a:rPr>
-              <a:t>Johar</a:t>
-            </a:r>
-            <a:r>
-              <a:rPr lang="en-ZA" sz="1400" dirty="0">
-                <a:latin typeface="Century Schoolbook" panose="02040604050505020304" pitchFamily="18" charset="0"/>
-              </a:rPr>
-              <a:t> and Shahid Kapoor made headlines. </a:t>
-            </a:r>
-            <a:r>
-              <a:rPr lang="en-ZA" sz="1400" dirty="0" err="1">
-                <a:latin typeface="Century Schoolbook" panose="02040604050505020304" pitchFamily="18" charset="0"/>
-              </a:rPr>
-              <a:t>Salaar</a:t>
-            </a:r>
-            <a:r>
-              <a:rPr lang="en-ZA" sz="1400" dirty="0">
-                <a:latin typeface="Century Schoolbook" panose="02040604050505020304" pitchFamily="18" charset="0"/>
-              </a:rPr>
-              <a:t> vs </a:t>
-            </a:r>
-            <a:r>
-              <a:rPr lang="en-ZA" sz="1400" dirty="0" err="1">
-                <a:latin typeface="Century Schoolbook" panose="02040604050505020304" pitchFamily="18" charset="0"/>
-              </a:rPr>
-              <a:t>Dunki</a:t>
-            </a:r>
-            <a:r>
-              <a:rPr lang="en-ZA" sz="1400" dirty="0">
-                <a:latin typeface="Century Schoolbook" panose="02040604050505020304" pitchFamily="18" charset="0"/>
-              </a:rPr>
-              <a:t> box office rivalry.</a:t>
-            </a:r>
-          </a:p>
-          <a:p>
-            <a:pPr lvl="1"/>
-            <a:endParaRPr lang="en-ZA" sz="1400" dirty="0">
-              <a:latin typeface="Century Schoolbook" panose="02040604050505020304" pitchFamily="18" charset="0"/>
-            </a:endParaRPr>
-          </a:p>
-          <a:p>
-            <a:r>
-              <a:rPr lang="en-ZA" sz="1400" b="1" dirty="0">
-                <a:latin typeface="Century Schoolbook" panose="02040604050505020304" pitchFamily="18" charset="0"/>
-              </a:rPr>
-              <a:t>What These Datasets Tell Us </a:t>
-            </a:r>
-          </a:p>
-          <a:p>
-            <a:pPr lvl="1"/>
-            <a:r>
-              <a:rPr lang="en-ZA" sz="1400" dirty="0">
-                <a:latin typeface="Century Schoolbook" panose="02040604050505020304" pitchFamily="18" charset="0"/>
-              </a:rPr>
-              <a:t>Train Dataset is focused on structured, finance-heavy content, ideal for training a model to classify business and economic news. Test Dataset is broader and more diverse, useful for evaluating how well a model generalizes across multiple domains. Together, they provide </a:t>
-            </a:r>
-            <a:r>
-              <a:rPr lang="en-ZA" sz="1200" dirty="0">
-                <a:latin typeface="Century Schoolbook" panose="02040604050505020304" pitchFamily="18" charset="0"/>
-              </a:rPr>
-              <a:t>a robust foundation for building and testing a news classification model that can handle both domain-specific and general news content.</a:t>
-            </a:r>
-          </a:p>
-          <a:p>
-            <a:endParaRPr lang="en-ZA" sz="1100" dirty="0">
-              <a:latin typeface="Century Schoolbook" panose="02040604050505020304" pitchFamily="18" charset="0"/>
-            </a:endParaRPr>
-          </a:p>
-        </p:txBody>
-      </p:sp>
-      <p:sp>
-        <p:nvSpPr>
-          <p:cNvPr id="17" name="Slide Number Placeholder 16">
-            <a:extLst>
-              <a:ext uri="{FF2B5EF4-FFF2-40B4-BE49-F238E27FC236}">
-                <a16:creationId xmlns:a16="http://schemas.microsoft.com/office/drawing/2014/main" id="{26239CF4-D5A6-B782-5DCB-657963205C7C}"/>
-              </a:ext>
-            </a:extLst>
-          </p:cNvPr>
-          <p:cNvSpPr>
-            <a:spLocks noGrp="1"/>
-          </p:cNvSpPr>
-          <p:nvPr>
-            <p:ph type="sldNum" sz="quarter" idx="12"/>
-          </p:nvPr>
-        </p:nvSpPr>
-        <p:spPr/>
-        <p:txBody>
-          <a:bodyPr/>
-          <a:lstStyle/>
-          <a:p>
-            <a:fld id="{294A09A9-5501-47C1-A89A-A340965A2BE2}" type="slidenum">
-              <a:rPr lang="en-US" smtClean="0"/>
-              <a:pPr/>
-              <a:t>4</a:t>
-            </a:fld>
-            <a:endParaRPr lang="en-US" dirty="0">
-              <a:latin typeface="+mn-lt"/>
-            </a:endParaRPr>
-          </a:p>
-        </p:txBody>
-      </p:sp>
-    </p:spTree>
-    <p:extLst>
-      <p:ext uri="{BB962C8B-B14F-4D97-AF65-F5344CB8AC3E}">
-        <p14:creationId xmlns:p14="http://schemas.microsoft.com/office/powerpoint/2010/main" val="888484295"/>
-      </p:ext>
-    </p:extLst>
-  </p:cSld>
-  <p:clrMapOvr>
-    <a:masterClrMapping/>
-  </p:clrMapOvr>
-</p:sld>
-</file>
-
-<file path=ppt/slides/slide5.xml><?xml version="1.0" encoding="utf-8"?>
-<p:sld xmlns:a="http://schemas.openxmlformats.org/drawingml/2006/main" xmlns:r="http://schemas.openxmlformats.org/officeDocument/2006/relationships" xmlns:p="http://schemas.openxmlformats.org/presentationml/2006/main">
-  <p:cSld>
-    <p:spTree>
-      <p:nvGrpSpPr>
-        <p:cNvPr id="1" name=""/>
-        <p:cNvGrpSpPr/>
-        <p:nvPr/>
-      </p:nvGrpSpPr>
-      <p:grpSpPr>
-        <a:xfrm>
-          <a:off x="0" y="0"/>
-          <a:ext cx="0" cy="0"/>
-          <a:chOff x="0" y="0"/>
-          <a:chExt cx="0" cy="0"/>
-        </a:xfrm>
-      </p:grpSpPr>
-      <p:graphicFrame>
-        <p:nvGraphicFramePr>
-          <p:cNvPr id="7" name="think-cell data - do not delete" hidden="1">
-            <a:extLst>
-              <a:ext uri="{FF2B5EF4-FFF2-40B4-BE49-F238E27FC236}">
-                <a16:creationId xmlns:a16="http://schemas.microsoft.com/office/drawing/2014/main" id="{E3F6A769-BD40-1A63-9269-857E8549C325}"/>
-              </a:ext>
-            </a:extLst>
-          </p:cNvPr>
-          <p:cNvGraphicFramePr>
-            <a:graphicFrameLocks noChangeAspect="1"/>
-          </p:cNvGraphicFramePr>
-          <p:nvPr>
-            <p:custDataLst>
-              <p:tags r:id="rId1"/>
-            </p:custDataLst>
-          </p:nvPr>
-        </p:nvGraphicFramePr>
-        <p:xfrm>
-          <a:off x="1588" y="1588"/>
-          <a:ext cx="1588" cy="1588"/>
-        </p:xfrm>
-        <a:graphic>
-          <a:graphicData uri="http://schemas.openxmlformats.org/presentationml/2006/ole">
-            <mc:AlternateContent xmlns:mc="http://schemas.openxmlformats.org/markup-compatibility/2006">
-              <mc:Choice xmlns:v="urn:schemas-microsoft-com:vml" Requires="v">
-                <p:oleObj name="think-cell Slide" r:id="rId4" imgW="425" imgH="424" progId="TCLayout.ActiveDocument.1">
-                  <p:embed/>
-                </p:oleObj>
-              </mc:Choice>
-              <mc:Fallback>
-                <p:oleObj name="think-cell Slide" r:id="rId4" imgW="425" imgH="424" progId="TCLayout.ActiveDocument.1">
-                  <p:embed/>
-                  <p:pic>
-                    <p:nvPicPr>
-                      <p:cNvPr id="7" name="think-cell data - do not delete" hidden="1">
-                        <a:extLst>
-                          <a:ext uri="{FF2B5EF4-FFF2-40B4-BE49-F238E27FC236}">
-                            <a16:creationId xmlns:a16="http://schemas.microsoft.com/office/drawing/2014/main" id="{E3F6A769-BD40-1A63-9269-857E8549C325}"/>
-                          </a:ext>
-                        </a:extLst>
-                      </p:cNvPr>
-                      <p:cNvPicPr/>
-                      <p:nvPr/>
-                    </p:nvPicPr>
-                    <p:blipFill>
-                      <a:blip r:embed="rId5"/>
-                      <a:stretch>
-                        <a:fillRect/>
-                      </a:stretch>
-                    </p:blipFill>
-                    <p:spPr>
-                      <a:xfrm>
-                        <a:off x="1588" y="1588"/>
-                        <a:ext cx="1588" cy="1588"/>
-                      </a:xfrm>
-                      <a:prstGeom prst="rect">
-                        <a:avLst/>
-                      </a:prstGeom>
-                    </p:spPr>
-                  </p:pic>
-                </p:oleObj>
-              </mc:Fallback>
-            </mc:AlternateContent>
-          </a:graphicData>
-        </a:graphic>
-      </p:graphicFrame>
-      <p:sp>
-        <p:nvSpPr>
-          <p:cNvPr id="12" name="Title 1">
-            <a:extLst>
-              <a:ext uri="{FF2B5EF4-FFF2-40B4-BE49-F238E27FC236}">
-                <a16:creationId xmlns:a16="http://schemas.microsoft.com/office/drawing/2014/main" id="{F5477141-E46B-575D-3851-5021C286DAD4}"/>
-              </a:ext>
-            </a:extLst>
-          </p:cNvPr>
-          <p:cNvSpPr>
-            <a:spLocks noGrp="1"/>
-          </p:cNvSpPr>
-          <p:nvPr>
-            <p:ph type="title"/>
-          </p:nvPr>
-        </p:nvSpPr>
-        <p:spPr>
-          <a:xfrm>
-            <a:off x="838200" y="365126"/>
-            <a:ext cx="10515600" cy="578458"/>
-          </a:xfrm>
-        </p:spPr>
-        <p:txBody>
-          <a:bodyPr vert="horz">
-            <a:normAutofit/>
-          </a:bodyPr>
-          <a:lstStyle/>
-          <a:p>
-            <a:r>
-              <a:rPr lang="en-ZA" sz="2000" b="1" dirty="0">
-                <a:solidFill>
-                  <a:srgbClr val="0070C0"/>
-                </a:solidFill>
-                <a:latin typeface="Century Schoolbook" panose="02040604050505020304" pitchFamily="18" charset="0"/>
-              </a:rPr>
-              <a:t>2. Dataset &amp; Preprocessing</a:t>
+              <a:t>2. Dataset</a:t>
             </a:r>
           </a:p>
         </p:txBody>
@@ -16105,7 +15681,7 @@
           <a:p>
             <a:pPr marL="352425" indent="-352425">
               <a:lnSpc>
-                <a:spcPct val="100000"/>
+                <a:spcPct val="200000"/>
               </a:lnSpc>
               <a:spcBef>
                 <a:spcPts val="0"/>
@@ -16115,20 +15691,27 @@
               <a:rPr lang="en-ZA" sz="1400" b="1" dirty="0">
                 <a:latin typeface="Century Schoolbook" panose="02040604050505020304" pitchFamily="18" charset="0"/>
               </a:rPr>
-              <a:t>Training Dataset </a:t>
+              <a:t>Train Dataset </a:t>
             </a:r>
             <a:r>
               <a:rPr lang="en-ZA" sz="1400" b="0" i="0" dirty="0">
                 <a:effectLst/>
                 <a:latin typeface="Century Schoolbook" panose="02040604050505020304" pitchFamily="18" charset="0"/>
               </a:rPr>
-              <a:t>is heavily focused on business and economic news, offering a rich variety of topics:</a:t>
-            </a:r>
-          </a:p>
-          <a:p>
-            <a:pPr marL="809625" lvl="2" indent="-352425">
+              <a:t>is heavily focused on business and economic news, offering a rich variety of topics: </a:t>
+            </a:r>
+            <a:r>
+              <a:rPr lang="en-ZA" sz="1400" i="0" dirty="0">
+                <a:effectLst/>
+                <a:latin typeface="Century Schoolbook" panose="02040604050505020304" pitchFamily="18" charset="0"/>
+              </a:rPr>
+              <a:t>Regulatory &amp; Policy Updates Corporate &amp; Market Performance, Economic Indicators, Strategic Business Moves, Global &amp; Trade Context</a:t>
+            </a:r>
+          </a:p>
+          <a:p>
+            <a:pPr marL="352425" indent="-352425" algn="l">
               <a:lnSpc>
-                <a:spcPct val="100000"/>
+                <a:spcPct val="200000"/>
               </a:lnSpc>
               <a:spcBef>
                 <a:spcPts val="0"/>
@@ -16139,313 +15722,72 @@
                 <a:effectLst/>
                 <a:latin typeface="Century Schoolbook" panose="02040604050505020304" pitchFamily="18" charset="0"/>
               </a:rPr>
-              <a:t>Regulatory &amp; Policy Updates</a:t>
+              <a:t>Test Dataset </a:t>
             </a:r>
             <a:r>
               <a:rPr lang="en-ZA" sz="1400" b="0" i="0" dirty="0">
                 <a:effectLst/>
                 <a:latin typeface="Century Schoolbook" panose="02040604050505020304" pitchFamily="18" charset="0"/>
               </a:rPr>
-              <a:t>: Covers changes in KYC norms, AI deepfake advisories, and import restrictions to support domestic manufacturing.</a:t>
-            </a:r>
-          </a:p>
-          <a:p>
-            <a:pPr marL="809625" lvl="2" indent="-352425">
+              <a:t>spans a diverse range of domains, offering a broad evaluation base for the classification model: </a:t>
+            </a:r>
+            <a:r>
+              <a:rPr lang="en-ZA" sz="1400" i="0" dirty="0">
+                <a:effectLst/>
+                <a:latin typeface="Century Schoolbook" panose="02040604050505020304" pitchFamily="18" charset="0"/>
+              </a:rPr>
+              <a:t>Business, Sports, Education, Technology, Entertainment</a:t>
+            </a:r>
+            <a:endParaRPr lang="en-ZA" sz="1400" dirty="0">
+              <a:latin typeface="Century Schoolbook" panose="02040604050505020304" pitchFamily="18" charset="0"/>
+            </a:endParaRPr>
+          </a:p>
+          <a:p>
+            <a:pPr>
               <a:lnSpc>
-                <a:spcPct val="100000"/>
+                <a:spcPct val="200000"/>
               </a:lnSpc>
               <a:spcBef>
                 <a:spcPts val="0"/>
               </a:spcBef>
             </a:pPr>
             <a:r>
-              <a:rPr lang="en-ZA" sz="1400" b="1" i="0" dirty="0">
-                <a:effectLst/>
+              <a:rPr lang="en-ZA" sz="1400" b="1" dirty="0">
                 <a:latin typeface="Century Schoolbook" panose="02040604050505020304" pitchFamily="18" charset="0"/>
               </a:rPr>
-              <a:t>Corporate &amp; Market Performance</a:t>
-            </a:r>
-            <a:r>
-              <a:rPr lang="en-ZA" sz="1400" b="0" i="0" dirty="0">
-                <a:effectLst/>
-                <a:latin typeface="Century Schoolbook" panose="02040604050505020304" pitchFamily="18" charset="0"/>
-              </a:rPr>
-              <a:t>: Tracks quarterly results, IPO activity, and strategic partnerships like Adani Green with TotalEnergies.</a:t>
-            </a:r>
-          </a:p>
-          <a:p>
-            <a:pPr marL="809625" lvl="2" indent="-352425">
+              <a:t>What These Datasets Tell Us </a:t>
+            </a:r>
+          </a:p>
+          <a:p>
+            <a:pPr lvl="1">
               <a:lnSpc>
-                <a:spcPct val="100000"/>
+                <a:spcPct val="200000"/>
               </a:lnSpc>
               <a:spcBef>
                 <a:spcPts val="0"/>
               </a:spcBef>
             </a:pPr>
             <a:r>
-              <a:rPr lang="en-ZA" sz="1400" b="1" i="0" dirty="0">
-                <a:effectLst/>
+              <a:rPr lang="en-ZA" sz="1400" dirty="0">
                 <a:latin typeface="Century Schoolbook" panose="02040604050505020304" pitchFamily="18" charset="0"/>
               </a:rPr>
-              <a:t>Economic Indicators</a:t>
-            </a:r>
-            <a:r>
-              <a:rPr lang="en-ZA" sz="1400" b="0" i="0" dirty="0">
-                <a:effectLst/>
-                <a:latin typeface="Century Schoolbook" panose="02040604050505020304" pitchFamily="18" charset="0"/>
-              </a:rPr>
-              <a:t>: Highlights macroeconomic trends such as the current account deficit, borrowing costs, and currency performance.</a:t>
-            </a:r>
-          </a:p>
-          <a:p>
-            <a:pPr marL="809625" lvl="2" indent="-352425">
+              <a:t>Train Dataset is focused on structured, finance-heavy content, ideal for training a model to classify business and economic news. </a:t>
+            </a:r>
+          </a:p>
+          <a:p>
+            <a:pPr lvl="1">
               <a:lnSpc>
-                <a:spcPct val="100000"/>
+                <a:spcPct val="200000"/>
               </a:lnSpc>
               <a:spcBef>
                 <a:spcPts val="0"/>
               </a:spcBef>
             </a:pPr>
             <a:r>
-              <a:rPr lang="en-ZA" sz="1400" b="1" i="0" dirty="0">
-                <a:effectLst/>
-                <a:latin typeface="Century Schoolbook" panose="02040604050505020304" pitchFamily="18" charset="0"/>
-              </a:rPr>
-              <a:t>Strategic Business Moves</a:t>
-            </a:r>
-            <a:r>
-              <a:rPr lang="en-ZA" sz="1400" b="0" i="0" dirty="0">
-                <a:effectLst/>
-                <a:latin typeface="Century Schoolbook" panose="02040604050505020304" pitchFamily="18" charset="0"/>
-              </a:rPr>
-              <a:t>: Includes corporate developments like Air India’s fleet expansion and leadership changes at UIDAI.</a:t>
-            </a:r>
-          </a:p>
-          <a:p>
-            <a:pPr marL="809625" lvl="2" indent="-352425">
-              <a:lnSpc>
-                <a:spcPct val="100000"/>
-              </a:lnSpc>
-              <a:spcBef>
-                <a:spcPts val="0"/>
-              </a:spcBef>
-            </a:pPr>
-            <a:r>
-              <a:rPr lang="en-ZA" sz="1400" b="1" i="0" dirty="0">
-                <a:effectLst/>
-                <a:latin typeface="Century Schoolbook" panose="02040604050505020304" pitchFamily="18" charset="0"/>
-              </a:rPr>
-              <a:t>Global &amp; Trade Context</a:t>
-            </a:r>
-            <a:r>
-              <a:rPr lang="en-ZA" sz="1400" b="0" i="0" dirty="0">
-                <a:effectLst/>
-                <a:latin typeface="Century Schoolbook" panose="02040604050505020304" pitchFamily="18" charset="0"/>
-              </a:rPr>
-              <a:t>: Reflects international trade dynamics and long-term projections like rising electricity demand for cooling.</a:t>
-            </a:r>
-          </a:p>
-          <a:p>
-            <a:pPr marL="352425" indent="-352425" algn="l">
-              <a:lnSpc>
-                <a:spcPct val="100000"/>
-              </a:lnSpc>
-              <a:spcBef>
-                <a:spcPts val="0"/>
-              </a:spcBef>
-            </a:pPr>
-            <a:r>
-              <a:rPr lang="en-ZA" sz="1400" b="1" i="0" dirty="0">
-                <a:effectLst/>
-                <a:latin typeface="Century Schoolbook" panose="02040604050505020304" pitchFamily="18" charset="0"/>
-              </a:rPr>
-              <a:t>Test Dataset </a:t>
-            </a:r>
-            <a:r>
-              <a:rPr lang="en-ZA" sz="1400" b="0" i="0" dirty="0">
-                <a:effectLst/>
-                <a:latin typeface="Century Schoolbook" panose="02040604050505020304" pitchFamily="18" charset="0"/>
-              </a:rPr>
-              <a:t>spans a diverse range of domains, offering a broad evaluation base for the classification model:</a:t>
-            </a:r>
-          </a:p>
-          <a:p>
-            <a:pPr marL="809625" lvl="2" indent="-352425">
-              <a:lnSpc>
-                <a:spcPct val="100000"/>
-              </a:lnSpc>
-              <a:spcBef>
-                <a:spcPts val="0"/>
-              </a:spcBef>
-            </a:pPr>
-            <a:r>
-              <a:rPr lang="en-ZA" sz="1400" b="1" i="0" dirty="0">
-                <a:effectLst/>
-                <a:latin typeface="Century Schoolbook" panose="02040604050505020304" pitchFamily="18" charset="0"/>
-              </a:rPr>
-              <a:t>Business</a:t>
-            </a:r>
-            <a:r>
-              <a:rPr lang="en-ZA" sz="1400" b="0" i="0" dirty="0">
-                <a:effectLst/>
-                <a:latin typeface="Century Schoolbook" panose="02040604050505020304" pitchFamily="18" charset="0"/>
-              </a:rPr>
-              <a:t>: Covers policy changes (e.g., GST exemptions), corporate strategies (e.g., Toyota’s </a:t>
-            </a:r>
-            <a:r>
-              <a:rPr lang="en-ZA" sz="1400" b="0" i="0" dirty="0" err="1">
-                <a:effectLst/>
-                <a:latin typeface="Century Schoolbook" panose="02040604050505020304" pitchFamily="18" charset="0"/>
-              </a:rPr>
-              <a:t>gigacasting</a:t>
-            </a:r>
-            <a:r>
-              <a:rPr lang="en-ZA" sz="1400" b="0" i="0" dirty="0">
-                <a:effectLst/>
-                <a:latin typeface="Century Schoolbook" panose="02040604050505020304" pitchFamily="18" charset="0"/>
-              </a:rPr>
-              <a:t>), and market shifts (e.g., OYO’s new brand launch).</a:t>
-            </a:r>
-          </a:p>
-          <a:p>
-            <a:pPr marL="809625" lvl="2" indent="-352425">
-              <a:lnSpc>
-                <a:spcPct val="100000"/>
-              </a:lnSpc>
-              <a:spcBef>
-                <a:spcPts val="0"/>
-              </a:spcBef>
-            </a:pPr>
-            <a:r>
-              <a:rPr lang="en-ZA" sz="1400" b="1" i="0" dirty="0">
-                <a:effectLst/>
-                <a:latin typeface="Century Schoolbook" panose="02040604050505020304" pitchFamily="18" charset="0"/>
-              </a:rPr>
-              <a:t>Sports</a:t>
-            </a:r>
-            <a:r>
-              <a:rPr lang="en-ZA" sz="1400" b="0" i="0" dirty="0">
-                <a:effectLst/>
-                <a:latin typeface="Century Schoolbook" panose="02040604050505020304" pitchFamily="18" charset="0"/>
-              </a:rPr>
-              <a:t>: Includes high-profile athlete updates (Cristiano Ronaldo, Rafael Nadal), controversies, and team changes.</a:t>
-            </a:r>
-          </a:p>
-          <a:p>
-            <a:pPr marL="809625" lvl="2" indent="-352425">
-              <a:lnSpc>
-                <a:spcPct val="100000"/>
-              </a:lnSpc>
-              <a:spcBef>
-                <a:spcPts val="0"/>
-              </a:spcBef>
-            </a:pPr>
-            <a:r>
-              <a:rPr lang="en-ZA" sz="1400" b="1" i="0" dirty="0">
-                <a:effectLst/>
-                <a:latin typeface="Century Schoolbook" panose="02040604050505020304" pitchFamily="18" charset="0"/>
-              </a:rPr>
-              <a:t>Education</a:t>
-            </a:r>
-            <a:r>
-              <a:rPr lang="en-ZA" sz="1400" b="0" i="0" dirty="0">
-                <a:effectLst/>
-                <a:latin typeface="Century Schoolbook" panose="02040604050505020304" pitchFamily="18" charset="0"/>
-              </a:rPr>
-              <a:t>: Features exam updates (NEET, EAMCET), institutional developments (new medical colleges), and digital communication initiatives by UGC.</a:t>
-            </a:r>
-          </a:p>
-          <a:p>
-            <a:pPr marL="809625" lvl="2" indent="-352425">
-              <a:lnSpc>
-                <a:spcPct val="100000"/>
-              </a:lnSpc>
-              <a:spcBef>
-                <a:spcPts val="0"/>
-              </a:spcBef>
-            </a:pPr>
-            <a:r>
-              <a:rPr lang="en-ZA" sz="1400" b="1" i="0" dirty="0">
-                <a:effectLst/>
-                <a:latin typeface="Century Schoolbook" panose="02040604050505020304" pitchFamily="18" charset="0"/>
-              </a:rPr>
-              <a:t>Technology</a:t>
-            </a:r>
-            <a:r>
-              <a:rPr lang="en-ZA" sz="1400" b="0" i="0" dirty="0">
-                <a:effectLst/>
-                <a:latin typeface="Century Schoolbook" panose="02040604050505020304" pitchFamily="18" charset="0"/>
-              </a:rPr>
-              <a:t>: Highlights product updates (WhatsApp, Apple Watch), platform strategies (Meta), and space achievements (ISRO’s Aditya L1).</a:t>
-            </a:r>
-          </a:p>
-          <a:p>
-            <a:pPr marL="809625" lvl="2" indent="-352425">
-              <a:lnSpc>
-                <a:spcPct val="100000"/>
-              </a:lnSpc>
-              <a:spcBef>
-                <a:spcPts val="0"/>
-              </a:spcBef>
-            </a:pPr>
-            <a:r>
-              <a:rPr lang="en-ZA" sz="1400" b="1" i="0" dirty="0">
-                <a:effectLst/>
-                <a:latin typeface="Century Schoolbook" panose="02040604050505020304" pitchFamily="18" charset="0"/>
-              </a:rPr>
-              <a:t>Entertainment</a:t>
-            </a:r>
-            <a:r>
-              <a:rPr lang="en-ZA" sz="1400" b="0" i="0" dirty="0">
-                <a:effectLst/>
-                <a:latin typeface="Century Schoolbook" panose="02040604050505020304" pitchFamily="18" charset="0"/>
-              </a:rPr>
-              <a:t>: Reports on celebrity news, health updates, weddings, and box office rivalries.</a:t>
-            </a:r>
-          </a:p>
-          <a:p>
-            <a:pPr lvl="1">
-              <a:lnSpc>
-                <a:spcPct val="100000"/>
-              </a:lnSpc>
-              <a:spcBef>
-                <a:spcPts val="0"/>
-              </a:spcBef>
-            </a:pPr>
-            <a:endParaRPr lang="en-ZA" sz="1400" dirty="0">
-              <a:latin typeface="Century Schoolbook" panose="02040604050505020304" pitchFamily="18" charset="0"/>
-            </a:endParaRPr>
-          </a:p>
-          <a:p>
-            <a:pPr>
-              <a:lnSpc>
-                <a:spcPct val="100000"/>
-              </a:lnSpc>
-              <a:spcBef>
-                <a:spcPts val="0"/>
-              </a:spcBef>
-            </a:pPr>
-            <a:r>
-              <a:rPr lang="en-ZA" sz="1400" b="1" dirty="0">
-                <a:latin typeface="Century Schoolbook" panose="02040604050505020304" pitchFamily="18" charset="0"/>
-              </a:rPr>
-              <a:t>What These Datasets Tell Us </a:t>
-            </a:r>
-          </a:p>
-          <a:p>
-            <a:pPr lvl="1">
-              <a:lnSpc>
-                <a:spcPct val="100000"/>
-              </a:lnSpc>
-              <a:spcBef>
-                <a:spcPts val="0"/>
-              </a:spcBef>
-            </a:pPr>
-            <a:r>
               <a:rPr lang="en-ZA" sz="1400" dirty="0">
                 <a:latin typeface="Century Schoolbook" panose="02040604050505020304" pitchFamily="18" charset="0"/>
               </a:rPr>
-              <a:t>Train Dataset is focused on structured, finance-heavy content, ideal for training a model to classify business and economic news. Test Dataset is broader and more diverse, useful for evaluating how well a model generalizes across multiple domains. Together, they provide a robust foundation for building and testing a news classification model that can handle both domain-specific and general news content.</a:t>
+              <a:t>Test Dataset is broader and more diverse, useful for evaluating how well a model generalizes across multiple domains. Together, they provide a robust foundation for building and testing a news classification model that can handle both domain-specific and general news content.</a:t>
             </a:r>
           </a:p>
         </p:txBody>
@@ -16474,7 +15816,7 @@
             <a:fld id="{294A09A9-5501-47C1-A89A-A340965A2BE2}" type="slidenum">
               <a:rPr lang="en-US" smtClean="0"/>
               <a:pPr/>
-              <a:t>5</a:t>
+              <a:t>4</a:t>
             </a:fld>
             <a:endParaRPr lang="en-US" dirty="0">
               <a:latin typeface="+mn-lt"/>
@@ -16495,7 +15837,7 @@
 </p:sld>
 </file>
 
-<file path=ppt/slides/slide6.xml><?xml version="1.0" encoding="utf-8"?>
+<file path=ppt/slides/slide5.xml><?xml version="1.0" encoding="utf-8"?>
 <p:sld xmlns:a="http://schemas.openxmlformats.org/drawingml/2006/main" xmlns:r="http://schemas.openxmlformats.org/officeDocument/2006/relationships" xmlns:p="http://schemas.openxmlformats.org/presentationml/2006/main">
   <p:cSld>
     <p:spTree>
@@ -16530,7 +15872,7 @@
             </p:custDataLst>
             <p:extLst>
               <p:ext uri="{D42A27DB-BD31-4B8C-83A1-F6EECF244321}">
-                <p14:modId xmlns:p14="http://schemas.microsoft.com/office/powerpoint/2010/main" val="623090024"/>
+                <p14:modId xmlns:p14="http://schemas.microsoft.com/office/powerpoint/2010/main" val="217995373"/>
               </p:ext>
             </p:extLst>
           </p:nvPr>
@@ -16619,7 +15961,7 @@
                 </a:solidFill>
                 <a:latin typeface="Century Schoolbook" panose="02040604050505020304" pitchFamily="18" charset="0"/>
               </a:rPr>
-              <a:t>3. Dataset &amp; Preprocessing</a:t>
+              <a:t>3. Preprocessing</a:t>
             </a:r>
           </a:p>
         </p:txBody>
@@ -16830,10 +16172,34 @@
               <a:buNone/>
             </a:pPr>
             <a:r>
-              <a:rPr lang="en-ZA" sz="1400" dirty="0">
+              <a:rPr lang="en-ZA" sz="1600" b="1" dirty="0">
                 <a:latin typeface="Century Schoolbook" panose="02040604050505020304" pitchFamily="18" charset="0"/>
               </a:rPr>
-              <a:t>Preprocessing  in the context of text classification are the steps taken to clean and prepare raw text data before feeding it into a machine learning model. These steps help reduce noise, standardize the format, and improve the quality of features extracted from the text.  These included:</a:t>
+              <a:t>Preprocessing  in the context of text classification are the steps taken to clean and prepare raw text data before feeding it into a machine learning model. These steps help reduce noise, standardize the format, and improve the quality of features extracted from the text</a:t>
+            </a:r>
+            <a:r>
+              <a:rPr lang="en-ZA" sz="1600" dirty="0">
+                <a:latin typeface="Century Schoolbook" panose="02040604050505020304" pitchFamily="18" charset="0"/>
+              </a:rPr>
+              <a:t>.  </a:t>
+            </a:r>
+          </a:p>
+          <a:p>
+            <a:pPr marL="0" indent="0">
+              <a:lnSpc>
+                <a:spcPct val="120000"/>
+              </a:lnSpc>
+              <a:spcBef>
+                <a:spcPts val="0"/>
+              </a:spcBef>
+              <a:buFont typeface="Arial" panose="020B0604020202020204" pitchFamily="34" charset="0"/>
+              <a:buNone/>
+            </a:pPr>
+            <a:r>
+              <a:rPr lang="en-ZA" sz="1600" dirty="0">
+                <a:latin typeface="Century Schoolbook" panose="02040604050505020304" pitchFamily="18" charset="0"/>
+              </a:rPr>
+              <a:t>These included:</a:t>
             </a:r>
           </a:p>
           <a:p>
@@ -16846,19 +16212,19 @@
               </a:spcBef>
             </a:pPr>
             <a:r>
-              <a:rPr lang="en-ZA" sz="1400" dirty="0">
+              <a:rPr lang="en-ZA" sz="1200" dirty="0">
                 <a:latin typeface="Century Schoolbook" panose="02040604050505020304" pitchFamily="18" charset="0"/>
               </a:rPr>
               <a:t>Lowercasing:  Converts all text to lowercase to ensure uniformity (e.g., "India" and "</a:t>
             </a:r>
             <a:r>
-              <a:rPr lang="en-ZA" sz="1400" dirty="0" err="1">
+              <a:rPr lang="en-ZA" sz="1200" dirty="0" err="1">
                 <a:latin typeface="Century Schoolbook" panose="02040604050505020304" pitchFamily="18" charset="0"/>
               </a:rPr>
               <a:t>india</a:t>
             </a:r>
             <a:r>
-              <a:rPr lang="en-ZA" sz="1400" dirty="0">
+              <a:rPr lang="en-ZA" sz="1200" dirty="0">
                 <a:latin typeface="Century Schoolbook" panose="02040604050505020304" pitchFamily="18" charset="0"/>
               </a:rPr>
               <a:t>" are treated the same).</a:t>
@@ -16874,7 +16240,7 @@
               </a:spcBef>
             </a:pPr>
             <a:r>
-              <a:rPr lang="en-ZA" sz="1400" dirty="0">
+              <a:rPr lang="en-ZA" sz="1200" dirty="0">
                 <a:latin typeface="Century Schoolbook" panose="02040604050505020304" pitchFamily="18" charset="0"/>
               </a:rPr>
               <a:t>Removing Punctuation and Special Characters:  Cleans out symbols like !, @, #, etc</a:t>
@@ -16890,19 +16256,19 @@
               </a:spcBef>
             </a:pPr>
             <a:r>
-              <a:rPr lang="en-ZA" sz="1400" dirty="0">
+              <a:rPr lang="en-ZA" sz="1200" dirty="0">
                 <a:latin typeface="Century Schoolbook" panose="02040604050505020304" pitchFamily="18" charset="0"/>
               </a:rPr>
               <a:t>Removing </a:t>
             </a:r>
             <a:r>
-              <a:rPr lang="en-ZA" sz="1400" dirty="0" err="1">
+              <a:rPr lang="en-ZA" sz="1200" dirty="0" err="1">
                 <a:latin typeface="Century Schoolbook" panose="02040604050505020304" pitchFamily="18" charset="0"/>
               </a:rPr>
               <a:t>Stopwords</a:t>
             </a:r>
             <a:r>
-              <a:rPr lang="en-ZA" sz="1400" dirty="0">
+              <a:rPr lang="en-ZA" sz="1200" dirty="0">
                 <a:latin typeface="Century Schoolbook" panose="02040604050505020304" pitchFamily="18" charset="0"/>
               </a:rPr>
               <a:t>: Eliminates common words like "the", "is", "and", which occur frequently but add little value for classification.</a:t>
@@ -16918,7 +16284,7 @@
               </a:spcBef>
             </a:pPr>
             <a:r>
-              <a:rPr lang="en-ZA" sz="1400" dirty="0">
+              <a:rPr lang="en-ZA" sz="1200" dirty="0">
                 <a:latin typeface="Century Schoolbook" panose="02040604050505020304" pitchFamily="18" charset="0"/>
               </a:rPr>
               <a:t>Tokenization: Splits text into individual words or tokens (e.g., "India wins match" → ["India", "wins", "match"]).</a:t>
@@ -16934,7 +16300,7 @@
               </a:spcBef>
             </a:pPr>
             <a:r>
-              <a:rPr lang="en-ZA" sz="1400" dirty="0">
+              <a:rPr lang="en-ZA" sz="1200" dirty="0">
                 <a:latin typeface="Century Schoolbook" panose="02040604050505020304" pitchFamily="18" charset="0"/>
               </a:rPr>
               <a:t>Lemmatization/Stemming: Reduces words to their base or root form (e.g., "running" → "run").</a:t>
@@ -16950,7 +16316,7 @@
               </a:spcBef>
             </a:pPr>
             <a:r>
-              <a:rPr lang="en-ZA" sz="1400" dirty="0">
+              <a:rPr lang="en-ZA" sz="1200" dirty="0">
                 <a:latin typeface="Century Schoolbook" panose="02040604050505020304" pitchFamily="18" charset="0"/>
               </a:rPr>
               <a:t>Whitespace Normalization: Removes extra spaces and ensures consistent spacing between words.</a:t>
@@ -16966,18 +16332,18 @@
               </a:spcBef>
             </a:pPr>
             <a:r>
-              <a:rPr lang="en-ZA" sz="1400" dirty="0">
+              <a:rPr lang="en-ZA" sz="1200" dirty="0">
                 <a:latin typeface="Century Schoolbook" panose="02040604050505020304" pitchFamily="18" charset="0"/>
               </a:rPr>
               <a:t>Invalid </a:t>
             </a:r>
             <a:r>
-              <a:rPr lang="en-ZA" sz="1400" dirty="0" err="1">
+              <a:rPr lang="en-ZA" sz="1200" dirty="0" err="1">
                 <a:latin typeface="Century Schoolbook" panose="02040604050505020304" pitchFamily="18" charset="0"/>
               </a:rPr>
               <a:t>urls</a:t>
             </a:r>
-            <a:endParaRPr lang="en-ZA" sz="1400" dirty="0">
+            <a:endParaRPr lang="en-ZA" sz="1200" dirty="0">
               <a:latin typeface="Century Schoolbook" panose="02040604050505020304" pitchFamily="18" charset="0"/>
             </a:endParaRPr>
           </a:p>
@@ -16991,7 +16357,7 @@
               </a:spcBef>
             </a:pPr>
             <a:r>
-              <a:rPr lang="en-ZA" sz="1400" dirty="0">
+              <a:rPr lang="en-ZA" sz="1200" dirty="0">
                 <a:latin typeface="Century Schoolbook" panose="02040604050505020304" pitchFamily="18" charset="0"/>
               </a:rPr>
               <a:t>Check and fix data types</a:t>
@@ -17007,7 +16373,7 @@
               </a:spcBef>
             </a:pPr>
             <a:r>
-              <a:rPr lang="en-ZA" sz="1400" dirty="0">
+              <a:rPr lang="en-ZA" sz="1200" dirty="0">
                 <a:latin typeface="Century Schoolbook" panose="02040604050505020304" pitchFamily="18" charset="0"/>
               </a:rPr>
               <a:t>Length filtering</a:t>
@@ -17023,7 +16389,7 @@
               </a:spcBef>
             </a:pPr>
             <a:r>
-              <a:rPr lang="en-ZA" sz="1400" dirty="0">
+              <a:rPr lang="en-ZA" sz="1200" dirty="0">
                 <a:latin typeface="Century Schoolbook" panose="02040604050505020304" pitchFamily="18" charset="0"/>
               </a:rPr>
               <a:t>Category Standardization:</a:t>
@@ -17039,7 +16405,7 @@
               </a:spcBef>
             </a:pPr>
             <a:r>
-              <a:rPr lang="en-ZA" sz="1400" dirty="0">
+              <a:rPr lang="en-ZA" sz="1200" dirty="0">
                 <a:latin typeface="Century Schoolbook" panose="02040604050505020304" pitchFamily="18" charset="0"/>
               </a:rPr>
               <a:t>Business: economy, market</a:t>
@@ -17055,7 +16421,7 @@
               </a:spcBef>
             </a:pPr>
             <a:r>
-              <a:rPr lang="en-ZA" sz="1400" dirty="0">
+              <a:rPr lang="en-ZA" sz="1200" dirty="0">
                 <a:latin typeface="Century Schoolbook" panose="02040604050505020304" pitchFamily="18" charset="0"/>
               </a:rPr>
               <a:t>Sports: cricket, football, tennis</a:t>
@@ -17071,7 +16437,7 @@
               </a:spcBef>
             </a:pPr>
             <a:r>
-              <a:rPr lang="en-ZA" sz="1400" dirty="0">
+              <a:rPr lang="en-ZA" sz="1200" dirty="0">
                 <a:latin typeface="Century Schoolbook" panose="02040604050505020304" pitchFamily="18" charset="0"/>
               </a:rPr>
               <a:t>Technology: tech, AI, privacy</a:t>
@@ -17087,7 +16453,7 @@
               </a:spcBef>
             </a:pPr>
             <a:r>
-              <a:rPr lang="en-ZA" sz="1400" dirty="0">
+              <a:rPr lang="en-ZA" sz="1200" dirty="0">
                 <a:latin typeface="Century Schoolbook" panose="02040604050505020304" pitchFamily="18" charset="0"/>
               </a:rPr>
               <a:t>Education: admissions, scholarships, policy</a:t>
@@ -17103,7 +16469,7 @@
               </a:spcBef>
             </a:pPr>
             <a:r>
-              <a:rPr lang="en-ZA" sz="1400" dirty="0">
+              <a:rPr lang="en-ZA" sz="1200" dirty="0">
                 <a:latin typeface="Century Schoolbook" panose="02040604050505020304" pitchFamily="18" charset="0"/>
               </a:rPr>
               <a:t>Entertainment: Bollywood, Hollywood, cinema</a:t>
@@ -17119,7 +16485,7 @@
               </a:spcBef>
             </a:pPr>
             <a:r>
-              <a:rPr lang="en-ZA" sz="1400" dirty="0">
+              <a:rPr lang="en-ZA" sz="1200" dirty="0">
                 <a:latin typeface="Century Schoolbook" panose="02040604050505020304" pitchFamily="18" charset="0"/>
               </a:rPr>
               <a:t>This mapping ensures a cleaner label space and enhances model generalization.</a:t>
@@ -17149,7 +16515,7 @@
               <a:buNone/>
             </a:pPr>
             <a:r>
-              <a:rPr lang="en-ZA" sz="1400" dirty="0">
+              <a:rPr lang="en-ZA" sz="1600" dirty="0">
                 <a:solidFill>
                   <a:schemeClr val="bg1"/>
                 </a:solidFill>
@@ -17157,7 +16523,7 @@
               </a:rPr>
               <a:t>These insights helped validate the relevance of features and guide model expectations</a:t>
             </a:r>
-            <a:endParaRPr lang="en-ZA" sz="1400" dirty="0">
+            <a:endParaRPr lang="en-ZA" sz="1600" dirty="0">
               <a:latin typeface="Century Schoolbook" panose="02040604050505020304" pitchFamily="18" charset="0"/>
             </a:endParaRPr>
           </a:p>
@@ -17187,7 +16553,7 @@
             <a:fld id="{294A09A9-5501-47C1-A89A-A340965A2BE2}" type="slidenum">
               <a:rPr lang="en-US" smtClean="0"/>
               <a:pPr/>
-              <a:t>6</a:t>
+              <a:t>5</a:t>
             </a:fld>
             <a:endParaRPr lang="en-US" dirty="0">
               <a:latin typeface="+mn-lt"/>
@@ -17252,7 +16618,7 @@
 </p:sld>
 </file>
 
-<file path=ppt/slides/slide7.xml><?xml version="1.0" encoding="utf-8"?>
+<file path=ppt/slides/slide6.xml><?xml version="1.0" encoding="utf-8"?>
 <p:sld xmlns:a="http://schemas.openxmlformats.org/drawingml/2006/main" xmlns:r="http://schemas.openxmlformats.org/officeDocument/2006/relationships" xmlns:p="http://schemas.openxmlformats.org/presentationml/2006/main">
   <p:cSld>
     <p:spTree>
@@ -17285,11 +16651,6 @@
             <p:custDataLst>
               <p:tags r:id="rId1"/>
             </p:custDataLst>
-            <p:extLst>
-              <p:ext uri="{D42A27DB-BD31-4B8C-83A1-F6EECF244321}">
-                <p14:modId xmlns:p14="http://schemas.microsoft.com/office/powerpoint/2010/main" val="1833695054"/>
-              </p:ext>
-            </p:extLst>
           </p:nvPr>
         </p:nvGraphicFramePr>
         <p:xfrm>
@@ -17412,7 +16773,7 @@
         <p:spPr>
           <a:xfrm>
             <a:off x="838200" y="1098841"/>
-            <a:ext cx="10621538" cy="5233379"/>
+            <a:ext cx="7143206" cy="5394033"/>
           </a:xfrm>
           <a:prstGeom prst="rect">
             <a:avLst/>
@@ -17592,7 +16953,7 @@
           <a:p>
             <a:pPr marL="0" indent="0">
               <a:lnSpc>
-                <a:spcPct val="100000"/>
+                <a:spcPct val="150000"/>
               </a:lnSpc>
               <a:spcBef>
                 <a:spcPts val="0"/>
@@ -17601,11 +16962,146 @@
               <a:buNone/>
             </a:pPr>
             <a:r>
-              <a:rPr lang="en-ZA" sz="1200" b="1" dirty="0">
+              <a:rPr lang="en-ZA" sz="1600" b="1" dirty="0">
                 <a:latin typeface="Century Schoolbook" panose="02040604050505020304" pitchFamily="18" charset="0"/>
               </a:rPr>
               <a:t>Models Implemented:</a:t>
             </a:r>
+          </a:p>
+          <a:p>
+            <a:pPr marL="180975" indent="-180975" algn="l">
+              <a:lnSpc>
+                <a:spcPct val="150000"/>
+              </a:lnSpc>
+              <a:spcBef>
+                <a:spcPts val="0"/>
+              </a:spcBef>
+              <a:buFont typeface="Arial" panose="020B0604020202020204" pitchFamily="34" charset="0"/>
+              <a:buChar char="•"/>
+            </a:pPr>
+            <a:r>
+              <a:rPr lang="en-ZA" sz="1600" b="1" i="0" dirty="0">
+                <a:effectLst/>
+                <a:latin typeface="Century Schoolbook" panose="02040604050505020304" pitchFamily="18" charset="0"/>
+              </a:rPr>
+              <a:t>Logistic Regression:  </a:t>
+            </a:r>
+            <a:r>
+              <a:rPr lang="en-ZA" sz="1600" b="0" i="0" dirty="0">
+                <a:effectLst/>
+                <a:latin typeface="Century Schoolbook" panose="02040604050505020304" pitchFamily="18" charset="0"/>
+              </a:rPr>
+              <a:t>A linear model used for both binary and multi-class classification. It estimates probabilities using a logistic function and is known for its simplicity and interpretability.</a:t>
+            </a:r>
+          </a:p>
+          <a:p>
+            <a:pPr marL="180975" indent="-180975" algn="l">
+              <a:lnSpc>
+                <a:spcPct val="150000"/>
+              </a:lnSpc>
+              <a:spcBef>
+                <a:spcPts val="0"/>
+              </a:spcBef>
+              <a:buFont typeface="Arial" panose="020B0604020202020204" pitchFamily="34" charset="0"/>
+              <a:buChar char="•"/>
+            </a:pPr>
+            <a:r>
+              <a:rPr lang="en-ZA" sz="1600" b="1" i="0" dirty="0">
+                <a:effectLst/>
+                <a:latin typeface="Century Schoolbook" panose="02040604050505020304" pitchFamily="18" charset="0"/>
+              </a:rPr>
+              <a:t>Multinomial Naive Bayes:  </a:t>
+            </a:r>
+            <a:r>
+              <a:rPr lang="en-ZA" sz="1600" b="0" i="0" dirty="0">
+                <a:effectLst/>
+                <a:latin typeface="Century Schoolbook" panose="02040604050505020304" pitchFamily="18" charset="0"/>
+              </a:rPr>
+              <a:t>A probabilistic classifier based on Bayes’ theorem, particularly effective for text classification tasks. It assumes feature independence and works well with word frequency features.</a:t>
+            </a:r>
+          </a:p>
+          <a:p>
+            <a:pPr marL="180975" indent="-180975" algn="l">
+              <a:lnSpc>
+                <a:spcPct val="150000"/>
+              </a:lnSpc>
+              <a:spcBef>
+                <a:spcPts val="0"/>
+              </a:spcBef>
+              <a:buFont typeface="Arial" panose="020B0604020202020204" pitchFamily="34" charset="0"/>
+              <a:buChar char="•"/>
+            </a:pPr>
+            <a:r>
+              <a:rPr lang="en-ZA" sz="1600" b="1" i="0" dirty="0">
+                <a:effectLst/>
+                <a:latin typeface="Century Schoolbook" panose="02040604050505020304" pitchFamily="18" charset="0"/>
+              </a:rPr>
+              <a:t>Random Forest:  </a:t>
+            </a:r>
+            <a:r>
+              <a:rPr lang="en-ZA" sz="1600" b="0" i="0" dirty="0">
+                <a:effectLst/>
+                <a:latin typeface="Century Schoolbook" panose="02040604050505020304" pitchFamily="18" charset="0"/>
+              </a:rPr>
+              <a:t>An ensemble learning method that builds multiple decision trees and merges their outputs to improve accuracy and control overfitting. It’s robust and handles high-dimensional data well.</a:t>
+            </a:r>
+          </a:p>
+          <a:p>
+            <a:pPr marL="180975" indent="-180975" algn="l">
+              <a:lnSpc>
+                <a:spcPct val="150000"/>
+              </a:lnSpc>
+              <a:spcBef>
+                <a:spcPts val="0"/>
+              </a:spcBef>
+              <a:buFont typeface="Arial" panose="020B0604020202020204" pitchFamily="34" charset="0"/>
+              <a:buChar char="•"/>
+            </a:pPr>
+            <a:r>
+              <a:rPr lang="en-ZA" sz="1600" b="1" i="0" dirty="0">
+                <a:effectLst/>
+                <a:latin typeface="Century Schoolbook" panose="02040604050505020304" pitchFamily="18" charset="0"/>
+              </a:rPr>
+              <a:t>K-Nearest </a:t>
+            </a:r>
+            <a:r>
+              <a:rPr lang="en-ZA" sz="1600" b="1" i="0" dirty="0" err="1">
+                <a:effectLst/>
+                <a:latin typeface="Century Schoolbook" panose="02040604050505020304" pitchFamily="18" charset="0"/>
+              </a:rPr>
+              <a:t>Neighbors</a:t>
+            </a:r>
+            <a:r>
+              <a:rPr lang="en-ZA" sz="1600" b="1" i="0" dirty="0">
+                <a:effectLst/>
+                <a:latin typeface="Century Schoolbook" panose="02040604050505020304" pitchFamily="18" charset="0"/>
+              </a:rPr>
+              <a:t> (KNN):  </a:t>
+            </a:r>
+            <a:r>
+              <a:rPr lang="en-ZA" sz="1600" b="0" i="0" dirty="0">
+                <a:effectLst/>
+                <a:latin typeface="Century Schoolbook" panose="02040604050505020304" pitchFamily="18" charset="0"/>
+              </a:rPr>
+              <a:t>An instance-based learning algorithm that classifies data points based on the majority label among their nearest </a:t>
+            </a:r>
+            <a:r>
+              <a:rPr lang="en-ZA" sz="1600" b="0" i="0" dirty="0" err="1">
+                <a:effectLst/>
+                <a:latin typeface="Century Schoolbook" panose="02040604050505020304" pitchFamily="18" charset="0"/>
+              </a:rPr>
+              <a:t>neighbors</a:t>
+            </a:r>
+            <a:r>
+              <a:rPr lang="en-ZA" sz="1600" b="0" i="0" dirty="0">
+                <a:effectLst/>
+                <a:latin typeface="Century Schoolbook" panose="02040604050505020304" pitchFamily="18" charset="0"/>
+              </a:rPr>
+              <a:t>. It’s simple and effective for small datasets but can be computationally intensive.</a:t>
+            </a:r>
+            <a:endParaRPr lang="en-ZA" sz="1600" dirty="0">
+              <a:latin typeface="Century Schoolbook" panose="02040604050505020304" pitchFamily="18" charset="0"/>
+            </a:endParaRPr>
           </a:p>
           <a:p>
             <a:pPr marL="180975" lvl="1" indent="-180975">
@@ -17616,439 +17112,9 @@
                 <a:spcPts val="0"/>
               </a:spcBef>
             </a:pPr>
-            <a:r>
-              <a:rPr lang="en-ZA" sz="1200" dirty="0">
-                <a:latin typeface="Century Schoolbook" panose="02040604050505020304" pitchFamily="18" charset="0"/>
-              </a:rPr>
-              <a:t>Logistic Regression: A linear model used for binary and multi-class classification.</a:t>
-            </a:r>
-          </a:p>
-          <a:p>
-            <a:pPr marL="180975" lvl="1" indent="-180975">
-              <a:lnSpc>
-                <a:spcPct val="100000"/>
-              </a:lnSpc>
-              <a:spcBef>
-                <a:spcPts val="0"/>
-              </a:spcBef>
-            </a:pPr>
-            <a:r>
-              <a:rPr lang="en-ZA" sz="1200" dirty="0">
-                <a:latin typeface="Century Schoolbook" panose="02040604050505020304" pitchFamily="18" charset="0"/>
-              </a:rPr>
-              <a:t>Naive Bayes: Probabilistic classifier based on Bayes’ theorem, effective for text classification.</a:t>
-            </a:r>
-          </a:p>
-          <a:p>
-            <a:pPr marL="180975" lvl="1" indent="-180975">
-              <a:lnSpc>
-                <a:spcPct val="100000"/>
-              </a:lnSpc>
-              <a:spcBef>
-                <a:spcPts val="0"/>
-              </a:spcBef>
-            </a:pPr>
-            <a:r>
-              <a:rPr lang="en-ZA" sz="1200" dirty="0">
-                <a:latin typeface="Century Schoolbook" panose="02040604050505020304" pitchFamily="18" charset="0"/>
-              </a:rPr>
-              <a:t>Random Forest: Ensemble method using decision trees, robust to overfitting.</a:t>
-            </a:r>
-          </a:p>
-          <a:p>
-            <a:pPr marL="180975" lvl="1" indent="-180975">
-              <a:lnSpc>
-                <a:spcPct val="100000"/>
-              </a:lnSpc>
-              <a:spcBef>
-                <a:spcPts val="0"/>
-              </a:spcBef>
-            </a:pPr>
-            <a:r>
-              <a:rPr lang="en-ZA" sz="1200" dirty="0">
-                <a:latin typeface="Century Schoolbook" panose="02040604050505020304" pitchFamily="18" charset="0"/>
-              </a:rPr>
-              <a:t>K-Nearest </a:t>
-            </a:r>
-            <a:r>
-              <a:rPr lang="en-ZA" sz="1200" dirty="0" err="1">
-                <a:latin typeface="Century Schoolbook" panose="02040604050505020304" pitchFamily="18" charset="0"/>
-              </a:rPr>
-              <a:t>Neighbors</a:t>
-            </a:r>
-            <a:r>
-              <a:rPr lang="en-ZA" sz="1200" dirty="0">
-                <a:latin typeface="Century Schoolbook" panose="02040604050505020304" pitchFamily="18" charset="0"/>
-              </a:rPr>
-              <a:t> (KNN): Instance-based learning method that classifies based on proximity to training samples.</a:t>
-            </a:r>
-          </a:p>
-          <a:p>
-            <a:pPr marL="180975" lvl="1" indent="-180975">
-              <a:lnSpc>
-                <a:spcPct val="100000"/>
-              </a:lnSpc>
-              <a:spcBef>
-                <a:spcPts val="0"/>
-              </a:spcBef>
-            </a:pPr>
-            <a:endParaRPr lang="en-ZA" sz="1200" dirty="0">
+            <a:endParaRPr lang="en-ZA" sz="1600" dirty="0">
               <a:latin typeface="Century Schoolbook" panose="02040604050505020304" pitchFamily="18" charset="0"/>
             </a:endParaRPr>
-          </a:p>
-          <a:p>
-            <a:pPr marL="180975" indent="-180975">
-              <a:lnSpc>
-                <a:spcPct val="100000"/>
-              </a:lnSpc>
-              <a:spcBef>
-                <a:spcPts val="0"/>
-              </a:spcBef>
-              <a:buFont typeface="Arial" panose="020B0604020202020204" pitchFamily="34" charset="0"/>
-              <a:buNone/>
-            </a:pPr>
-            <a:r>
-              <a:rPr lang="en-ZA" sz="1200" b="1" dirty="0">
-                <a:latin typeface="Century Schoolbook" panose="02040604050505020304" pitchFamily="18" charset="0"/>
-              </a:rPr>
-              <a:t>Why These Models?</a:t>
-            </a:r>
-          </a:p>
-          <a:p>
-            <a:pPr marL="180975" lvl="1" indent="-180975">
-              <a:lnSpc>
-                <a:spcPct val="100000"/>
-              </a:lnSpc>
-              <a:spcBef>
-                <a:spcPts val="0"/>
-              </a:spcBef>
-            </a:pPr>
-            <a:r>
-              <a:rPr lang="en-ZA" sz="1200" dirty="0">
-                <a:latin typeface="Century Schoolbook" panose="02040604050505020304" pitchFamily="18" charset="0"/>
-              </a:rPr>
-              <a:t>Diverse approaches to classification</a:t>
-            </a:r>
-          </a:p>
-          <a:p>
-            <a:pPr marL="180975" lvl="1" indent="-180975">
-              <a:lnSpc>
-                <a:spcPct val="100000"/>
-              </a:lnSpc>
-              <a:spcBef>
-                <a:spcPts val="0"/>
-              </a:spcBef>
-            </a:pPr>
-            <a:r>
-              <a:rPr lang="en-ZA" sz="1200" dirty="0">
-                <a:latin typeface="Century Schoolbook" panose="02040604050505020304" pitchFamily="18" charset="0"/>
-              </a:rPr>
-              <a:t>Balance between interpretability and performance</a:t>
-            </a:r>
-          </a:p>
-          <a:p>
-            <a:pPr marL="180975" lvl="1" indent="-180975">
-              <a:lnSpc>
-                <a:spcPct val="100000"/>
-              </a:lnSpc>
-              <a:spcBef>
-                <a:spcPts val="0"/>
-              </a:spcBef>
-            </a:pPr>
-            <a:r>
-              <a:rPr lang="en-ZA" sz="1200" dirty="0">
-                <a:latin typeface="Century Schoolbook" panose="02040604050505020304" pitchFamily="18" charset="0"/>
-              </a:rPr>
-              <a:t>Suitable for text-based data</a:t>
-            </a:r>
-          </a:p>
-          <a:p>
-            <a:pPr marL="180975" lvl="1" indent="-180975">
-              <a:lnSpc>
-                <a:spcPct val="100000"/>
-              </a:lnSpc>
-              <a:spcBef>
-                <a:spcPts val="0"/>
-              </a:spcBef>
-            </a:pPr>
-            <a:endParaRPr lang="en-ZA" sz="1200" b="1" dirty="0">
-              <a:latin typeface="Century Schoolbook" panose="02040604050505020304" pitchFamily="18" charset="0"/>
-            </a:endParaRPr>
-          </a:p>
-          <a:p>
-            <a:pPr marL="180975" indent="-180975">
-              <a:lnSpc>
-                <a:spcPct val="100000"/>
-              </a:lnSpc>
-              <a:spcBef>
-                <a:spcPts val="0"/>
-              </a:spcBef>
-              <a:buFont typeface="Arial" panose="020B0604020202020204" pitchFamily="34" charset="0"/>
-              <a:buNone/>
-            </a:pPr>
-            <a:r>
-              <a:rPr lang="en-ZA" sz="1200" b="1" dirty="0">
-                <a:latin typeface="Century Schoolbook" panose="02040604050505020304" pitchFamily="18" charset="0"/>
-              </a:rPr>
-              <a:t>Evaluation Metrics:</a:t>
-            </a:r>
-          </a:p>
-          <a:p>
-            <a:pPr marL="180975" lvl="1" indent="-180975">
-              <a:lnSpc>
-                <a:spcPct val="100000"/>
-              </a:lnSpc>
-              <a:spcBef>
-                <a:spcPts val="0"/>
-              </a:spcBef>
-            </a:pPr>
-            <a:r>
-              <a:rPr lang="en-ZA" sz="1200" dirty="0">
-                <a:latin typeface="Century Schoolbook" panose="02040604050505020304" pitchFamily="18" charset="0"/>
-              </a:rPr>
-              <a:t>Accuracy</a:t>
-            </a:r>
-          </a:p>
-          <a:p>
-            <a:pPr marL="180975" lvl="1" indent="-180975">
-              <a:lnSpc>
-                <a:spcPct val="100000"/>
-              </a:lnSpc>
-              <a:spcBef>
-                <a:spcPts val="0"/>
-              </a:spcBef>
-            </a:pPr>
-            <a:r>
-              <a:rPr lang="en-ZA" sz="1200" dirty="0">
-                <a:latin typeface="Century Schoolbook" panose="02040604050505020304" pitchFamily="18" charset="0"/>
-              </a:rPr>
-              <a:t>Precision, Recall, F1-score</a:t>
-            </a:r>
-          </a:p>
-          <a:p>
-            <a:pPr marL="180975" lvl="1" indent="-180975">
-              <a:lnSpc>
-                <a:spcPct val="100000"/>
-              </a:lnSpc>
-              <a:spcBef>
-                <a:spcPts val="0"/>
-              </a:spcBef>
-            </a:pPr>
-            <a:r>
-              <a:rPr lang="en-ZA" sz="1200" dirty="0">
-                <a:latin typeface="Century Schoolbook" panose="02040604050505020304" pitchFamily="18" charset="0"/>
-              </a:rPr>
-              <a:t>Confusion Matrix</a:t>
-            </a:r>
-          </a:p>
-          <a:p>
-            <a:pPr marL="180975" lvl="1" indent="-180975">
-              <a:lnSpc>
-                <a:spcPct val="100000"/>
-              </a:lnSpc>
-              <a:spcBef>
-                <a:spcPts val="0"/>
-              </a:spcBef>
-              <a:buFont typeface="Arial" panose="020B0604020202020204" pitchFamily="34" charset="0"/>
-              <a:buNone/>
-            </a:pPr>
-            <a:endParaRPr lang="en-ZA" sz="1200" dirty="0">
-              <a:latin typeface="Century Schoolbook" panose="02040604050505020304" pitchFamily="18" charset="0"/>
-            </a:endParaRPr>
-          </a:p>
-          <a:p>
-            <a:pPr marL="180975" lvl="1" indent="-180975">
-              <a:lnSpc>
-                <a:spcPct val="100000"/>
-              </a:lnSpc>
-              <a:spcBef>
-                <a:spcPts val="0"/>
-              </a:spcBef>
-              <a:buFont typeface="Arial" panose="020B0604020202020204" pitchFamily="34" charset="0"/>
-              <a:buNone/>
-            </a:pPr>
-            <a:r>
-              <a:rPr lang="en-ZA" sz="1200" b="1" dirty="0">
-                <a:latin typeface="Century Schoolbook" panose="02040604050505020304" pitchFamily="18" charset="0"/>
-              </a:rPr>
-              <a:t>Training Strategy: Train each model</a:t>
-            </a:r>
-          </a:p>
-          <a:p>
-            <a:pPr marL="180975" lvl="1" indent="-180975">
-              <a:lnSpc>
-                <a:spcPct val="100000"/>
-              </a:lnSpc>
-              <a:spcBef>
-                <a:spcPts val="0"/>
-              </a:spcBef>
-            </a:pPr>
-            <a:r>
-              <a:rPr lang="en-ZA" sz="1200" dirty="0">
-                <a:latin typeface="Century Schoolbook" panose="02040604050505020304" pitchFamily="18" charset="0"/>
-              </a:rPr>
-              <a:t>Predict on validation data</a:t>
-            </a:r>
-          </a:p>
-          <a:p>
-            <a:pPr marL="180975" lvl="1" indent="-180975">
-              <a:lnSpc>
-                <a:spcPct val="100000"/>
-              </a:lnSpc>
-              <a:spcBef>
-                <a:spcPts val="0"/>
-              </a:spcBef>
-            </a:pPr>
-            <a:r>
-              <a:rPr lang="en-ZA" sz="1200" dirty="0">
-                <a:latin typeface="Century Schoolbook" panose="02040604050505020304" pitchFamily="18" charset="0"/>
-              </a:rPr>
-              <a:t>Display confusion matrix</a:t>
-            </a:r>
-          </a:p>
-          <a:p>
-            <a:pPr marL="180975" lvl="1" indent="-180975">
-              <a:lnSpc>
-                <a:spcPct val="100000"/>
-              </a:lnSpc>
-              <a:spcBef>
-                <a:spcPts val="0"/>
-              </a:spcBef>
-            </a:pPr>
-            <a:r>
-              <a:rPr lang="en-ZA" sz="1200" dirty="0">
-                <a:latin typeface="Century Schoolbook" panose="02040604050505020304" pitchFamily="18" charset="0"/>
-              </a:rPr>
-              <a:t>Print classification report</a:t>
-            </a:r>
-          </a:p>
-          <a:p>
-            <a:pPr marL="180975" lvl="1" indent="-180975">
-              <a:lnSpc>
-                <a:spcPct val="100000"/>
-              </a:lnSpc>
-              <a:spcBef>
-                <a:spcPts val="0"/>
-              </a:spcBef>
-            </a:pPr>
-            <a:endParaRPr lang="en-ZA" sz="1200" dirty="0">
-              <a:latin typeface="Century Schoolbook" panose="02040604050505020304" pitchFamily="18" charset="0"/>
-            </a:endParaRPr>
-          </a:p>
-          <a:p>
-            <a:pPr marL="180975" indent="-180975">
-              <a:lnSpc>
-                <a:spcPct val="100000"/>
-              </a:lnSpc>
-              <a:spcBef>
-                <a:spcPts val="0"/>
-              </a:spcBef>
-              <a:buFont typeface="Arial" panose="020B0604020202020204" pitchFamily="34" charset="0"/>
-              <a:buNone/>
-            </a:pPr>
-            <a:r>
-              <a:rPr lang="en-ZA" sz="1200" b="1" dirty="0">
-                <a:latin typeface="Century Schoolbook" panose="02040604050505020304" pitchFamily="18" charset="0"/>
-              </a:rPr>
-              <a:t>Visuals:</a:t>
-            </a:r>
-          </a:p>
-          <a:p>
-            <a:pPr marL="180975" indent="-180975">
-              <a:lnSpc>
-                <a:spcPct val="100000"/>
-              </a:lnSpc>
-              <a:spcBef>
-                <a:spcPts val="0"/>
-              </a:spcBef>
-            </a:pPr>
-            <a:r>
-              <a:rPr lang="en-ZA" sz="1200" dirty="0">
-                <a:latin typeface="Century Schoolbook" panose="02040604050505020304" pitchFamily="18" charset="0"/>
-              </a:rPr>
-              <a:t>Confusion matrices for each model</a:t>
-            </a:r>
-          </a:p>
-          <a:p>
-            <a:pPr marL="180975" indent="-180975">
-              <a:lnSpc>
-                <a:spcPct val="100000"/>
-              </a:lnSpc>
-              <a:spcBef>
-                <a:spcPts val="0"/>
-              </a:spcBef>
-            </a:pPr>
-            <a:r>
-              <a:rPr lang="en-ZA" sz="1200" dirty="0">
-                <a:latin typeface="Century Schoolbook" panose="02040604050505020304" pitchFamily="18" charset="0"/>
-              </a:rPr>
-              <a:t>Radar chart comparing model performance across metrics</a:t>
-            </a:r>
-          </a:p>
-          <a:p>
-            <a:pPr marL="180975" indent="-180975">
-              <a:lnSpc>
-                <a:spcPct val="100000"/>
-              </a:lnSpc>
-              <a:spcBef>
-                <a:spcPts val="0"/>
-              </a:spcBef>
-              <a:buFont typeface="Arial" panose="020B0604020202020204" pitchFamily="34" charset="0"/>
-              <a:buNone/>
-            </a:pPr>
-            <a:endParaRPr lang="en-ZA" sz="1200" dirty="0">
-              <a:latin typeface="Century Schoolbook" panose="02040604050505020304" pitchFamily="18" charset="0"/>
-            </a:endParaRPr>
-          </a:p>
-          <a:p>
-            <a:pPr marL="180975" indent="-180975">
-              <a:lnSpc>
-                <a:spcPct val="100000"/>
-              </a:lnSpc>
-              <a:spcBef>
-                <a:spcPts val="0"/>
-              </a:spcBef>
-              <a:buFont typeface="Arial" panose="020B0604020202020204" pitchFamily="34" charset="0"/>
-              <a:buNone/>
-            </a:pPr>
-            <a:r>
-              <a:rPr lang="en-ZA" sz="1200" b="1" dirty="0">
-                <a:latin typeface="Century Schoolbook" panose="02040604050505020304" pitchFamily="18" charset="0"/>
-              </a:rPr>
-              <a:t>Insights:</a:t>
-            </a:r>
-          </a:p>
-          <a:p>
-            <a:pPr marL="180975" indent="-180975">
-              <a:lnSpc>
-                <a:spcPct val="100000"/>
-              </a:lnSpc>
-              <a:spcBef>
-                <a:spcPts val="0"/>
-              </a:spcBef>
-            </a:pPr>
-            <a:r>
-              <a:rPr lang="en-ZA" sz="1200" dirty="0">
-                <a:latin typeface="Century Schoolbook" panose="02040604050505020304" pitchFamily="18" charset="0"/>
-              </a:rPr>
-              <a:t>Helps identify the best-performing model</a:t>
-            </a:r>
-          </a:p>
-          <a:p>
-            <a:pPr marL="180975" indent="-180975">
-              <a:lnSpc>
-                <a:spcPct val="100000"/>
-              </a:lnSpc>
-              <a:spcBef>
-                <a:spcPts val="0"/>
-              </a:spcBef>
-            </a:pPr>
-            <a:r>
-              <a:rPr lang="en-ZA" sz="1200" dirty="0">
-                <a:latin typeface="Century Schoolbook" panose="02040604050505020304" pitchFamily="18" charset="0"/>
-              </a:rPr>
-              <a:t>Balances between precision and recall depending on use-case</a:t>
-            </a:r>
           </a:p>
         </p:txBody>
       </p:sp>
@@ -18076,7 +17142,7 @@
             <a:fld id="{294A09A9-5501-47C1-A89A-A340965A2BE2}" type="slidenum">
               <a:rPr lang="en-US" smtClean="0"/>
               <a:pPr/>
-              <a:t>7</a:t>
+              <a:t>6</a:t>
             </a:fld>
             <a:endParaRPr lang="en-US" dirty="0">
               <a:latin typeface="+mn-lt"/>
@@ -18106,8 +17172,8 @@
         </p:blipFill>
         <p:spPr>
           <a:xfrm>
-            <a:off x="6504493" y="2266898"/>
-            <a:ext cx="4955245" cy="4065322"/>
+            <a:off x="8412479" y="2249869"/>
+            <a:ext cx="3137263" cy="2573835"/>
           </a:xfrm>
           <a:prstGeom prst="rect">
             <a:avLst/>
@@ -18122,7 +17188,503 @@
     </p:spTree>
     <p:extLst>
       <p:ext uri="{BB962C8B-B14F-4D97-AF65-F5344CB8AC3E}">
-        <p14:creationId xmlns:p14="http://schemas.microsoft.com/office/powerpoint/2010/main" val="3348564581"/>
+        <p14:creationId xmlns:p14="http://schemas.microsoft.com/office/powerpoint/2010/main" val="580001310"/>
+      </p:ext>
+    </p:extLst>
+  </p:cSld>
+  <p:clrMapOvr>
+    <a:masterClrMapping/>
+  </p:clrMapOvr>
+</p:sld>
+</file>
+
+<file path=ppt/slides/slide7.xml><?xml version="1.0" encoding="utf-8"?>
+<p:sld xmlns:a="http://schemas.openxmlformats.org/drawingml/2006/main" xmlns:r="http://schemas.openxmlformats.org/officeDocument/2006/relationships" xmlns:p="http://schemas.openxmlformats.org/presentationml/2006/main">
+  <p:cSld>
+    <p:spTree>
+      <p:nvGrpSpPr>
+        <p:cNvPr id="1" name=""/>
+        <p:cNvGrpSpPr/>
+        <p:nvPr/>
+      </p:nvGrpSpPr>
+      <p:grpSpPr>
+        <a:xfrm>
+          <a:off x="0" y="0"/>
+          <a:ext cx="0" cy="0"/>
+          <a:chOff x="0" y="0"/>
+          <a:chExt cx="0" cy="0"/>
+        </a:xfrm>
+      </p:grpSpPr>
+      <p:graphicFrame>
+        <p:nvGraphicFramePr>
+          <p:cNvPr id="11" name="think-cell data - do not delete" hidden="1">
+            <a:extLst>
+              <a:ext uri="{FF2B5EF4-FFF2-40B4-BE49-F238E27FC236}">
+                <a16:creationId xmlns:a16="http://schemas.microsoft.com/office/drawing/2014/main" id="{FCCB015D-8B57-436C-3036-EA7D6C04A0CF}"/>
+              </a:ext>
+            </a:extLst>
+          </p:cNvPr>
+          <p:cNvGraphicFramePr>
+            <a:graphicFrameLocks noChangeAspect="1"/>
+          </p:cNvGraphicFramePr>
+          <p:nvPr>
+            <p:custDataLst>
+              <p:tags r:id="rId1"/>
+            </p:custDataLst>
+          </p:nvPr>
+        </p:nvGraphicFramePr>
+        <p:xfrm>
+          <a:off x="1588" y="1588"/>
+          <a:ext cx="1588" cy="1588"/>
+        </p:xfrm>
+        <a:graphic>
+          <a:graphicData uri="http://schemas.openxmlformats.org/presentationml/2006/ole">
+            <mc:AlternateContent xmlns:mc="http://schemas.openxmlformats.org/markup-compatibility/2006">
+              <mc:Choice xmlns:v="urn:schemas-microsoft-com:vml" Requires="v">
+                <p:oleObj name="think-cell Slide" r:id="rId4" imgW="425" imgH="424" progId="TCLayout.ActiveDocument.1">
+                  <p:embed/>
+                </p:oleObj>
+              </mc:Choice>
+              <mc:Fallback>
+                <p:oleObj name="think-cell Slide" r:id="rId4" imgW="425" imgH="424" progId="TCLayout.ActiveDocument.1">
+                  <p:embed/>
+                  <p:pic>
+                    <p:nvPicPr>
+                      <p:cNvPr id="11" name="think-cell data - do not delete" hidden="1">
+                        <a:extLst>
+                          <a:ext uri="{FF2B5EF4-FFF2-40B4-BE49-F238E27FC236}">
+                            <a16:creationId xmlns:a16="http://schemas.microsoft.com/office/drawing/2014/main" id="{FCCB015D-8B57-436C-3036-EA7D6C04A0CF}"/>
+                          </a:ext>
+                        </a:extLst>
+                      </p:cNvPr>
+                      <p:cNvPicPr/>
+                      <p:nvPr/>
+                    </p:nvPicPr>
+                    <p:blipFill>
+                      <a:blip r:embed="rId5"/>
+                      <a:stretch>
+                        <a:fillRect/>
+                      </a:stretch>
+                    </p:blipFill>
+                    <p:spPr>
+                      <a:xfrm>
+                        <a:off x="1588" y="1588"/>
+                        <a:ext cx="1588" cy="1588"/>
+                      </a:xfrm>
+                      <a:prstGeom prst="rect">
+                        <a:avLst/>
+                      </a:prstGeom>
+                    </p:spPr>
+                  </p:pic>
+                </p:oleObj>
+              </mc:Fallback>
+            </mc:AlternateContent>
+          </a:graphicData>
+        </a:graphic>
+      </p:graphicFrame>
+      <p:sp>
+        <p:nvSpPr>
+          <p:cNvPr id="12" name="Title 1">
+            <a:extLst>
+              <a:ext uri="{FF2B5EF4-FFF2-40B4-BE49-F238E27FC236}">
+                <a16:creationId xmlns:a16="http://schemas.microsoft.com/office/drawing/2014/main" id="{ED3827A6-B6D5-98B5-D090-E998029F210E}"/>
+              </a:ext>
+            </a:extLst>
+          </p:cNvPr>
+          <p:cNvSpPr>
+            <a:spLocks noGrp="1"/>
+          </p:cNvSpPr>
+          <p:nvPr>
+            <p:ph type="title"/>
+          </p:nvPr>
+        </p:nvSpPr>
+        <p:spPr>
+          <a:xfrm>
+            <a:off x="838200" y="365126"/>
+            <a:ext cx="10515600" cy="578458"/>
+          </a:xfrm>
+          <a:solidFill>
+            <a:schemeClr val="tx1"/>
+          </a:solidFill>
+        </p:spPr>
+        <p:txBody>
+          <a:bodyPr vert="horz">
+            <a:normAutofit/>
+          </a:bodyPr>
+          <a:lstStyle/>
+          <a:p>
+            <a:pPr algn="l"/>
+            <a:r>
+              <a:rPr lang="en-ZA" sz="2000" b="1" dirty="0">
+                <a:solidFill>
+                  <a:srgbClr val="0070C0"/>
+                </a:solidFill>
+                <a:latin typeface="Century Schoolbook" panose="02040604050505020304" pitchFamily="18" charset="0"/>
+              </a:rPr>
+              <a:t>4. Model Development</a:t>
+            </a:r>
+            <a:r>
+              <a:rPr lang="en-ZA" sz="1000" b="1" i="0" dirty="0">
+                <a:solidFill>
+                  <a:srgbClr val="0070C0"/>
+                </a:solidFill>
+                <a:effectLst/>
+                <a:latin typeface="Century Schoolbook" panose="02040604050505020304" pitchFamily="18" charset="0"/>
+              </a:rPr>
+              <a:t>	</a:t>
+            </a:r>
+          </a:p>
+        </p:txBody>
+      </p:sp>
+      <p:sp>
+        <p:nvSpPr>
+          <p:cNvPr id="3" name="Slide Number Placeholder 2">
+            <a:extLst>
+              <a:ext uri="{FF2B5EF4-FFF2-40B4-BE49-F238E27FC236}">
+                <a16:creationId xmlns:a16="http://schemas.microsoft.com/office/drawing/2014/main" id="{9A5C3A83-1166-374C-DBFC-F79AD880D356}"/>
+              </a:ext>
+            </a:extLst>
+          </p:cNvPr>
+          <p:cNvSpPr>
+            <a:spLocks noGrp="1"/>
+          </p:cNvSpPr>
+          <p:nvPr>
+            <p:ph type="sldNum" sz="quarter" idx="12"/>
+          </p:nvPr>
+        </p:nvSpPr>
+        <p:spPr/>
+        <p:txBody>
+          <a:bodyPr/>
+          <a:lstStyle/>
+          <a:p>
+            <a:fld id="{294A09A9-5501-47C1-A89A-A340965A2BE2}" type="slidenum">
+              <a:rPr lang="en-US" smtClean="0"/>
+              <a:pPr/>
+              <a:t>7</a:t>
+            </a:fld>
+            <a:endParaRPr lang="en-US" dirty="0">
+              <a:latin typeface="+mn-lt"/>
+            </a:endParaRPr>
+          </a:p>
+        </p:txBody>
+      </p:sp>
+      <p:sp>
+        <p:nvSpPr>
+          <p:cNvPr id="2" name="TextBox 1">
+            <a:extLst>
+              <a:ext uri="{FF2B5EF4-FFF2-40B4-BE49-F238E27FC236}">
+                <a16:creationId xmlns:a16="http://schemas.microsoft.com/office/drawing/2014/main" id="{1C9C8CF8-E9E9-B251-212A-E3409A1E4B05}"/>
+              </a:ext>
+            </a:extLst>
+          </p:cNvPr>
+          <p:cNvSpPr txBox="1"/>
+          <p:nvPr/>
+        </p:nvSpPr>
+        <p:spPr>
+          <a:xfrm>
+            <a:off x="838200" y="1042969"/>
+            <a:ext cx="10515599" cy="5509200"/>
+          </a:xfrm>
+          <a:prstGeom prst="rect">
+            <a:avLst/>
+          </a:prstGeom>
+          <a:solidFill>
+            <a:schemeClr val="tx1"/>
+          </a:solidFill>
+        </p:spPr>
+        <p:txBody>
+          <a:bodyPr wrap="square">
+            <a:spAutoFit/>
+          </a:bodyPr>
+          <a:lstStyle/>
+          <a:p>
+            <a:r>
+              <a:rPr lang="en-ZA" sz="1600" b="1" dirty="0">
+                <a:solidFill>
+                  <a:schemeClr val="bg1"/>
+                </a:solidFill>
+                <a:latin typeface="Century Schoolbook" panose="02040604050505020304" pitchFamily="18" charset="0"/>
+              </a:rPr>
+              <a:t>Why These Models?</a:t>
+            </a:r>
+          </a:p>
+          <a:p>
+            <a:pPr marL="171450" indent="-171450">
+              <a:buFont typeface="Arial" panose="020B0604020202020204" pitchFamily="34" charset="0"/>
+              <a:buChar char="•"/>
+            </a:pPr>
+            <a:r>
+              <a:rPr lang="en-ZA" sz="1600" dirty="0">
+                <a:solidFill>
+                  <a:schemeClr val="bg1"/>
+                </a:solidFill>
+                <a:latin typeface="Century Schoolbook" panose="02040604050505020304" pitchFamily="18" charset="0"/>
+              </a:rPr>
+              <a:t>Diverse approaches to classification</a:t>
+            </a:r>
+          </a:p>
+          <a:p>
+            <a:pPr marL="171450" indent="-171450">
+              <a:buFont typeface="Arial" panose="020B0604020202020204" pitchFamily="34" charset="0"/>
+              <a:buChar char="•"/>
+            </a:pPr>
+            <a:r>
+              <a:rPr lang="en-ZA" sz="1600" dirty="0">
+                <a:solidFill>
+                  <a:schemeClr val="bg1"/>
+                </a:solidFill>
+                <a:latin typeface="Century Schoolbook" panose="02040604050505020304" pitchFamily="18" charset="0"/>
+              </a:rPr>
+              <a:t>Balance between interpretability and performance</a:t>
+            </a:r>
+          </a:p>
+          <a:p>
+            <a:pPr marL="171450" indent="-171450">
+              <a:buFont typeface="Arial" panose="020B0604020202020204" pitchFamily="34" charset="0"/>
+              <a:buChar char="•"/>
+            </a:pPr>
+            <a:r>
+              <a:rPr lang="en-ZA" sz="1600" dirty="0">
+                <a:solidFill>
+                  <a:schemeClr val="bg1"/>
+                </a:solidFill>
+                <a:latin typeface="Century Schoolbook" panose="02040604050505020304" pitchFamily="18" charset="0"/>
+              </a:rPr>
+              <a:t>Suitable for text-based data</a:t>
+            </a:r>
+          </a:p>
+          <a:p>
+            <a:endParaRPr lang="en-ZA" sz="1600" b="1" dirty="0">
+              <a:solidFill>
+                <a:schemeClr val="bg1"/>
+              </a:solidFill>
+              <a:latin typeface="Century Schoolbook" panose="02040604050505020304" pitchFamily="18" charset="0"/>
+            </a:endParaRPr>
+          </a:p>
+          <a:p>
+            <a:r>
+              <a:rPr lang="en-ZA" sz="1600" b="1" dirty="0">
+                <a:solidFill>
+                  <a:schemeClr val="bg1"/>
+                </a:solidFill>
+                <a:latin typeface="Century Schoolbook" panose="02040604050505020304" pitchFamily="18" charset="0"/>
+              </a:rPr>
+              <a:t>Evaluation Metrics:</a:t>
+            </a:r>
+          </a:p>
+          <a:p>
+            <a:pPr marL="171450" indent="-171450">
+              <a:buFont typeface="Arial" panose="020B0604020202020204" pitchFamily="34" charset="0"/>
+              <a:buChar char="•"/>
+            </a:pPr>
+            <a:r>
+              <a:rPr lang="en-ZA" sz="1600" dirty="0">
+                <a:solidFill>
+                  <a:schemeClr val="bg1"/>
+                </a:solidFill>
+                <a:latin typeface="Century Schoolbook" panose="02040604050505020304" pitchFamily="18" charset="0"/>
+              </a:rPr>
+              <a:t>Accuracy</a:t>
+            </a:r>
+          </a:p>
+          <a:p>
+            <a:pPr marL="171450" indent="-171450">
+              <a:buFont typeface="Arial" panose="020B0604020202020204" pitchFamily="34" charset="0"/>
+              <a:buChar char="•"/>
+            </a:pPr>
+            <a:r>
+              <a:rPr lang="en-ZA" sz="1600" dirty="0">
+                <a:solidFill>
+                  <a:schemeClr val="bg1"/>
+                </a:solidFill>
+                <a:latin typeface="Century Schoolbook" panose="02040604050505020304" pitchFamily="18" charset="0"/>
+              </a:rPr>
+              <a:t>Precision, Recall, F1-score</a:t>
+            </a:r>
+          </a:p>
+          <a:p>
+            <a:pPr marL="171450" indent="-171450">
+              <a:buFont typeface="Arial" panose="020B0604020202020204" pitchFamily="34" charset="0"/>
+              <a:buChar char="•"/>
+            </a:pPr>
+            <a:r>
+              <a:rPr lang="en-ZA" sz="1600" dirty="0">
+                <a:solidFill>
+                  <a:schemeClr val="bg1"/>
+                </a:solidFill>
+                <a:latin typeface="Century Schoolbook" panose="02040604050505020304" pitchFamily="18" charset="0"/>
+              </a:rPr>
+              <a:t>Confusion Matrix</a:t>
+            </a:r>
+          </a:p>
+          <a:p>
+            <a:endParaRPr lang="en-ZA" sz="1600" dirty="0">
+              <a:solidFill>
+                <a:schemeClr val="bg1"/>
+              </a:solidFill>
+              <a:latin typeface="Century Schoolbook" panose="02040604050505020304" pitchFamily="18" charset="0"/>
+            </a:endParaRPr>
+          </a:p>
+          <a:p>
+            <a:r>
+              <a:rPr lang="en-ZA" sz="1600" b="1" dirty="0">
+                <a:solidFill>
+                  <a:schemeClr val="bg1"/>
+                </a:solidFill>
+                <a:latin typeface="Century Schoolbook" panose="02040604050505020304" pitchFamily="18" charset="0"/>
+              </a:rPr>
+              <a:t>Training Strategy: Train each model</a:t>
+            </a:r>
+          </a:p>
+          <a:p>
+            <a:pPr marL="171450" indent="-171450">
+              <a:buFont typeface="Arial" panose="020B0604020202020204" pitchFamily="34" charset="0"/>
+              <a:buChar char="•"/>
+            </a:pPr>
+            <a:r>
+              <a:rPr lang="en-ZA" sz="1600" dirty="0">
+                <a:solidFill>
+                  <a:schemeClr val="bg1"/>
+                </a:solidFill>
+                <a:latin typeface="Century Schoolbook" panose="02040604050505020304" pitchFamily="18" charset="0"/>
+              </a:rPr>
+              <a:t>Predict on validation data</a:t>
+            </a:r>
+          </a:p>
+          <a:p>
+            <a:pPr marL="171450" indent="-171450">
+              <a:buFont typeface="Arial" panose="020B0604020202020204" pitchFamily="34" charset="0"/>
+              <a:buChar char="•"/>
+            </a:pPr>
+            <a:r>
+              <a:rPr lang="en-ZA" sz="1600" dirty="0">
+                <a:solidFill>
+                  <a:schemeClr val="bg1"/>
+                </a:solidFill>
+                <a:latin typeface="Century Schoolbook" panose="02040604050505020304" pitchFamily="18" charset="0"/>
+              </a:rPr>
+              <a:t>Display confusion matrix</a:t>
+            </a:r>
+          </a:p>
+          <a:p>
+            <a:pPr marL="171450" indent="-171450">
+              <a:buFont typeface="Arial" panose="020B0604020202020204" pitchFamily="34" charset="0"/>
+              <a:buChar char="•"/>
+            </a:pPr>
+            <a:r>
+              <a:rPr lang="en-ZA" sz="1600" dirty="0">
+                <a:solidFill>
+                  <a:schemeClr val="bg1"/>
+                </a:solidFill>
+                <a:latin typeface="Century Schoolbook" panose="02040604050505020304" pitchFamily="18" charset="0"/>
+              </a:rPr>
+              <a:t>Print classification report</a:t>
+            </a:r>
+          </a:p>
+          <a:p>
+            <a:endParaRPr lang="en-ZA" sz="1600" dirty="0">
+              <a:solidFill>
+                <a:schemeClr val="bg1"/>
+              </a:solidFill>
+              <a:latin typeface="Century Schoolbook" panose="02040604050505020304" pitchFamily="18" charset="0"/>
+            </a:endParaRPr>
+          </a:p>
+          <a:p>
+            <a:r>
+              <a:rPr lang="en-ZA" sz="1600" b="1" dirty="0">
+                <a:solidFill>
+                  <a:schemeClr val="bg1"/>
+                </a:solidFill>
+                <a:latin typeface="Century Schoolbook" panose="02040604050505020304" pitchFamily="18" charset="0"/>
+              </a:rPr>
+              <a:t>Visuals:</a:t>
+            </a:r>
+          </a:p>
+          <a:p>
+            <a:pPr marL="171450" indent="-171450">
+              <a:buFont typeface="Arial" panose="020B0604020202020204" pitchFamily="34" charset="0"/>
+              <a:buChar char="•"/>
+            </a:pPr>
+            <a:r>
+              <a:rPr lang="en-ZA" sz="1600" dirty="0">
+                <a:solidFill>
+                  <a:schemeClr val="bg1"/>
+                </a:solidFill>
+                <a:latin typeface="Century Schoolbook" panose="02040604050505020304" pitchFamily="18" charset="0"/>
+              </a:rPr>
+              <a:t>Confusion matrices for each model</a:t>
+            </a:r>
+          </a:p>
+          <a:p>
+            <a:pPr marL="171450" indent="-171450">
+              <a:buFont typeface="Arial" panose="020B0604020202020204" pitchFamily="34" charset="0"/>
+              <a:buChar char="•"/>
+            </a:pPr>
+            <a:r>
+              <a:rPr lang="en-ZA" sz="1600" dirty="0">
+                <a:solidFill>
+                  <a:schemeClr val="bg1"/>
+                </a:solidFill>
+                <a:latin typeface="Century Schoolbook" panose="02040604050505020304" pitchFamily="18" charset="0"/>
+              </a:rPr>
+              <a:t>Radar chart comparing model performance across metrics</a:t>
+            </a:r>
+          </a:p>
+          <a:p>
+            <a:endParaRPr lang="en-ZA" sz="1600" dirty="0">
+              <a:solidFill>
+                <a:schemeClr val="bg1"/>
+              </a:solidFill>
+              <a:latin typeface="Century Schoolbook" panose="02040604050505020304" pitchFamily="18" charset="0"/>
+            </a:endParaRPr>
+          </a:p>
+          <a:p>
+            <a:r>
+              <a:rPr lang="en-ZA" sz="1600" b="1" dirty="0">
+                <a:solidFill>
+                  <a:schemeClr val="bg1"/>
+                </a:solidFill>
+                <a:latin typeface="Century Schoolbook" panose="02040604050505020304" pitchFamily="18" charset="0"/>
+              </a:rPr>
+              <a:t>Insights:</a:t>
+            </a:r>
+          </a:p>
+          <a:p>
+            <a:pPr marL="171450" indent="-171450">
+              <a:buFont typeface="Arial" panose="020B0604020202020204" pitchFamily="34" charset="0"/>
+              <a:buChar char="•"/>
+            </a:pPr>
+            <a:r>
+              <a:rPr lang="en-ZA" sz="1600" dirty="0">
+                <a:solidFill>
+                  <a:schemeClr val="bg1"/>
+                </a:solidFill>
+                <a:latin typeface="Century Schoolbook" panose="02040604050505020304" pitchFamily="18" charset="0"/>
+              </a:rPr>
+              <a:t>Helps identify the best-performing model</a:t>
+            </a:r>
+          </a:p>
+          <a:p>
+            <a:pPr marL="171450" indent="-171450">
+              <a:buFont typeface="Arial" panose="020B0604020202020204" pitchFamily="34" charset="0"/>
+              <a:buChar char="•"/>
+            </a:pPr>
+            <a:r>
+              <a:rPr lang="en-ZA" sz="1600" dirty="0">
+                <a:solidFill>
+                  <a:schemeClr val="bg1"/>
+                </a:solidFill>
+                <a:latin typeface="Century Schoolbook" panose="02040604050505020304" pitchFamily="18" charset="0"/>
+              </a:rPr>
+              <a:t>Balances between precision and recall depending on use-case</a:t>
+            </a:r>
+          </a:p>
+        </p:txBody>
+      </p:sp>
+    </p:spTree>
+    <p:extLst>
+      <p:ext uri="{BB962C8B-B14F-4D97-AF65-F5344CB8AC3E}">
+        <p14:creationId xmlns:p14="http://schemas.microsoft.com/office/powerpoint/2010/main" val="3128454174"/>
       </p:ext>
     </p:extLst>
   </p:cSld>
@@ -18774,12 +18336,38 @@
                 <a:spcPts val="0"/>
               </a:spcBef>
             </a:pPr>
+            <a:endParaRPr lang="en-ZA" sz="1400" dirty="0">
+              <a:latin typeface="Century Schoolbook" panose="02040604050505020304" pitchFamily="18" charset="0"/>
+            </a:endParaRPr>
+          </a:p>
+          <a:p>
+            <a:pPr>
+              <a:lnSpc>
+                <a:spcPct val="110000"/>
+              </a:lnSpc>
+              <a:spcBef>
+                <a:spcPts val="0"/>
+              </a:spcBef>
+            </a:pPr>
             <a:r>
               <a:rPr lang="en-ZA" sz="1400" dirty="0">
                 <a:latin typeface="Century Schoolbook" panose="02040604050505020304" pitchFamily="18" charset="0"/>
               </a:rPr>
               <a:t>Encourages user engagement and feedback.</a:t>
             </a:r>
+          </a:p>
+          <a:p>
+            <a:pPr>
+              <a:lnSpc>
+                <a:spcPct val="110000"/>
+              </a:lnSpc>
+              <a:spcBef>
+                <a:spcPts val="0"/>
+              </a:spcBef>
+            </a:pPr>
+            <a:endParaRPr lang="en-ZA" sz="1400" dirty="0">
+              <a:latin typeface="Century Schoolbook" panose="02040604050505020304" pitchFamily="18" charset="0"/>
+            </a:endParaRPr>
           </a:p>
           <a:p>
             <a:pPr>
@@ -18892,7 +18480,7 @@
             </p:custDataLst>
             <p:extLst>
               <p:ext uri="{D42A27DB-BD31-4B8C-83A1-F6EECF244321}">
-                <p14:modId xmlns:p14="http://schemas.microsoft.com/office/powerpoint/2010/main" val="608762749"/>
+                <p14:modId xmlns:p14="http://schemas.microsoft.com/office/powerpoint/2010/main" val="630935864"/>
               </p:ext>
             </p:extLst>
           </p:nvPr>
@@ -18984,7 +18572,7 @@
                 </a:solidFill>
                 <a:latin typeface="Century Schoolbook" panose="02040604050505020304" pitchFamily="18" charset="0"/>
               </a:rPr>
-              <a:t>6. </a:t>
+              <a:t>5. </a:t>
             </a:r>
             <a:r>
               <a:rPr lang="en-ZA" sz="2000" dirty="0" err="1">
@@ -19029,7 +18617,7 @@
         </p:blipFill>
         <p:spPr>
           <a:xfrm>
-            <a:off x="6206247" y="3745007"/>
+            <a:off x="6532818" y="1580038"/>
             <a:ext cx="5467976" cy="2747867"/>
           </a:xfrm>
           <a:prstGeom prst="rect">
@@ -19091,7 +18679,7 @@
         </p:blipFill>
         <p:spPr>
           <a:xfrm>
-            <a:off x="855980" y="1091782"/>
+            <a:off x="838200" y="1627359"/>
             <a:ext cx="5436166" cy="2653226"/>
           </a:xfrm>
           <a:prstGeom prst="rect">
